--- a/project-3-secure-the-recipe-vault-web-application/DevOpsPipeline.pptx
+++ b/project-3-secure-the-recipe-vault-web-application/DevOpsPipeline.pptx
@@ -244,12 +244,12 @@
   <p:extLst>
     <p:ext uri="{EFAFB233-063F-42B5-8137-9DF3F51BA10A}">
       <p15:sldGuideLst xmlns:p15="http://schemas.microsoft.com/office/powerpoint/2012/main">
-        <p15:guide id="1" orient="horz" pos="1620">
+        <p15:guide id="1" orient="horz" pos="1620" userDrawn="1">
           <p15:clr>
             <a:srgbClr val="A4A3A4"/>
           </p15:clr>
         </p15:guide>
-        <p15:guide id="2" pos="2880">
+        <p15:guide id="2" pos="2880" userDrawn="1">
           <p15:clr>
             <a:srgbClr val="A4A3A4"/>
           </p15:clr>
@@ -294,8 +294,8 @@
         </p:nvSpPr>
         <p:spPr>
           <a:xfrm>
-            <a:off x="381300" y="685800"/>
-            <a:ext cx="6096075" cy="3429000"/>
+            <a:off x="381000" y="685800"/>
+            <a:ext cx="6096000" cy="3429000"/>
           </a:xfrm>
           <a:custGeom>
             <a:avLst/>
@@ -855,7 +855,7 @@
               </a:spcAft>
               <a:buSzPts val="5200"/>
               <a:buNone/>
-              <a:defRPr sz="5200"/>
+              <a:defRPr sz="3900"/>
             </a:lvl1pPr>
             <a:lvl2pPr lvl="1" algn="ctr">
               <a:spcBef>
@@ -866,7 +866,7 @@
               </a:spcAft>
               <a:buSzPts val="5200"/>
               <a:buNone/>
-              <a:defRPr sz="5200"/>
+              <a:defRPr sz="3900"/>
             </a:lvl2pPr>
             <a:lvl3pPr lvl="2" algn="ctr">
               <a:spcBef>
@@ -877,7 +877,7 @@
               </a:spcAft>
               <a:buSzPts val="5200"/>
               <a:buNone/>
-              <a:defRPr sz="5200"/>
+              <a:defRPr sz="3900"/>
             </a:lvl3pPr>
             <a:lvl4pPr lvl="3" algn="ctr">
               <a:spcBef>
@@ -888,7 +888,7 @@
               </a:spcAft>
               <a:buSzPts val="5200"/>
               <a:buNone/>
-              <a:defRPr sz="5200"/>
+              <a:defRPr sz="3900"/>
             </a:lvl4pPr>
             <a:lvl5pPr lvl="4" algn="ctr">
               <a:spcBef>
@@ -899,7 +899,7 @@
               </a:spcAft>
               <a:buSzPts val="5200"/>
               <a:buNone/>
-              <a:defRPr sz="5200"/>
+              <a:defRPr sz="3900"/>
             </a:lvl5pPr>
             <a:lvl6pPr lvl="5" algn="ctr">
               <a:spcBef>
@@ -910,7 +910,7 @@
               </a:spcAft>
               <a:buSzPts val="5200"/>
               <a:buNone/>
-              <a:defRPr sz="5200"/>
+              <a:defRPr sz="3900"/>
             </a:lvl6pPr>
             <a:lvl7pPr lvl="6" algn="ctr">
               <a:spcBef>
@@ -921,7 +921,7 @@
               </a:spcAft>
               <a:buSzPts val="5200"/>
               <a:buNone/>
-              <a:defRPr sz="5200"/>
+              <a:defRPr sz="3900"/>
             </a:lvl7pPr>
             <a:lvl8pPr lvl="7" algn="ctr">
               <a:spcBef>
@@ -932,7 +932,7 @@
               </a:spcAft>
               <a:buSzPts val="5200"/>
               <a:buNone/>
-              <a:defRPr sz="5200"/>
+              <a:defRPr sz="3900"/>
             </a:lvl8pPr>
             <a:lvl9pPr lvl="8" algn="ctr">
               <a:spcBef>
@@ -943,7 +943,7 @@
               </a:spcAft>
               <a:buSzPts val="5200"/>
               <a:buNone/>
-              <a:defRPr sz="5200"/>
+              <a:defRPr sz="3900"/>
             </a:lvl9pPr>
           </a:lstStyle>
           <a:p>
@@ -987,7 +987,7 @@
               </a:spcAft>
               <a:buSzPts val="2800"/>
               <a:buNone/>
-              <a:defRPr sz="2800"/>
+              <a:defRPr sz="2100"/>
             </a:lvl1pPr>
             <a:lvl2pPr lvl="1" algn="ctr">
               <a:lnSpc>
@@ -1001,7 +1001,7 @@
               </a:spcAft>
               <a:buSzPts val="2800"/>
               <a:buNone/>
-              <a:defRPr sz="2800"/>
+              <a:defRPr sz="2100"/>
             </a:lvl2pPr>
             <a:lvl3pPr lvl="2" algn="ctr">
               <a:lnSpc>
@@ -1015,7 +1015,7 @@
               </a:spcAft>
               <a:buSzPts val="2800"/>
               <a:buNone/>
-              <a:defRPr sz="2800"/>
+              <a:defRPr sz="2100"/>
             </a:lvl3pPr>
             <a:lvl4pPr lvl="3" algn="ctr">
               <a:lnSpc>
@@ -1029,7 +1029,7 @@
               </a:spcAft>
               <a:buSzPts val="2800"/>
               <a:buNone/>
-              <a:defRPr sz="2800"/>
+              <a:defRPr sz="2100"/>
             </a:lvl4pPr>
             <a:lvl5pPr lvl="4" algn="ctr">
               <a:lnSpc>
@@ -1043,7 +1043,7 @@
               </a:spcAft>
               <a:buSzPts val="2800"/>
               <a:buNone/>
-              <a:defRPr sz="2800"/>
+              <a:defRPr sz="2100"/>
             </a:lvl5pPr>
             <a:lvl6pPr lvl="5" algn="ctr">
               <a:lnSpc>
@@ -1057,7 +1057,7 @@
               </a:spcAft>
               <a:buSzPts val="2800"/>
               <a:buNone/>
-              <a:defRPr sz="2800"/>
+              <a:defRPr sz="2100"/>
             </a:lvl6pPr>
             <a:lvl7pPr lvl="6" algn="ctr">
               <a:lnSpc>
@@ -1071,7 +1071,7 @@
               </a:spcAft>
               <a:buSzPts val="2800"/>
               <a:buNone/>
-              <a:defRPr sz="2800"/>
+              <a:defRPr sz="2100"/>
             </a:lvl7pPr>
             <a:lvl8pPr lvl="7" algn="ctr">
               <a:lnSpc>
@@ -1085,7 +1085,7 @@
               </a:spcAft>
               <a:buSzPts val="2800"/>
               <a:buNone/>
-              <a:defRPr sz="2800"/>
+              <a:defRPr sz="2100"/>
             </a:lvl8pPr>
             <a:lvl9pPr lvl="8" algn="ctr">
               <a:lnSpc>
@@ -1099,7 +1099,7 @@
               </a:spcAft>
               <a:buSzPts val="2800"/>
               <a:buNone/>
-              <a:defRPr sz="2800"/>
+              <a:defRPr sz="2100"/>
             </a:lvl9pPr>
           </a:lstStyle>
           <a:p>
@@ -1119,7 +1119,7 @@
         </p:nvSpPr>
         <p:spPr>
           <a:xfrm>
-            <a:off x="8472458" y="4663217"/>
+            <a:off x="8472459" y="4663217"/>
             <a:ext cx="548700" cy="393600"/>
           </a:xfrm>
           <a:prstGeom prst="rect">
@@ -1169,20 +1169,12 @@
             </a:lvl9pPr>
           </a:lstStyle>
           <a:p>
-            <a:pPr marL="0" lvl="0" indent="0" algn="r" rtl="0">
-              <a:spcBef>
-                <a:spcPts val="0"/>
-              </a:spcBef>
-              <a:spcAft>
-                <a:spcPts val="0"/>
-              </a:spcAft>
-              <a:buNone/>
-            </a:pPr>
             <a:fld id="{00000000-1234-1234-1234-123412341234}" type="slidenum">
-              <a:rPr lang="en"/>
+              <a:rPr lang="en" smtClean="0"/>
+              <a:pPr/>
               <a:t>‹#›</a:t>
             </a:fld>
-            <a:endParaRPr/>
+            <a:endParaRPr lang="en"/>
           </a:p>
         </p:txBody>
       </p:sp>
@@ -1244,7 +1236,7 @@
               </a:spcAft>
               <a:buSzPts val="12000"/>
               <a:buNone/>
-              <a:defRPr sz="12000"/>
+              <a:defRPr sz="9000"/>
             </a:lvl1pPr>
             <a:lvl2pPr lvl="1" algn="ctr">
               <a:spcBef>
@@ -1255,7 +1247,7 @@
               </a:spcAft>
               <a:buSzPts val="12000"/>
               <a:buNone/>
-              <a:defRPr sz="12000"/>
+              <a:defRPr sz="9000"/>
             </a:lvl2pPr>
             <a:lvl3pPr lvl="2" algn="ctr">
               <a:spcBef>
@@ -1266,7 +1258,7 @@
               </a:spcAft>
               <a:buSzPts val="12000"/>
               <a:buNone/>
-              <a:defRPr sz="12000"/>
+              <a:defRPr sz="9000"/>
             </a:lvl3pPr>
             <a:lvl4pPr lvl="3" algn="ctr">
               <a:spcBef>
@@ -1277,7 +1269,7 @@
               </a:spcAft>
               <a:buSzPts val="12000"/>
               <a:buNone/>
-              <a:defRPr sz="12000"/>
+              <a:defRPr sz="9000"/>
             </a:lvl4pPr>
             <a:lvl5pPr lvl="4" algn="ctr">
               <a:spcBef>
@@ -1288,7 +1280,7 @@
               </a:spcAft>
               <a:buSzPts val="12000"/>
               <a:buNone/>
-              <a:defRPr sz="12000"/>
+              <a:defRPr sz="9000"/>
             </a:lvl5pPr>
             <a:lvl6pPr lvl="5" algn="ctr">
               <a:spcBef>
@@ -1299,7 +1291,7 @@
               </a:spcAft>
               <a:buSzPts val="12000"/>
               <a:buNone/>
-              <a:defRPr sz="12000"/>
+              <a:defRPr sz="9000"/>
             </a:lvl6pPr>
             <a:lvl7pPr lvl="6" algn="ctr">
               <a:spcBef>
@@ -1310,7 +1302,7 @@
               </a:spcAft>
               <a:buSzPts val="12000"/>
               <a:buNone/>
-              <a:defRPr sz="12000"/>
+              <a:defRPr sz="9000"/>
             </a:lvl7pPr>
             <a:lvl8pPr lvl="7" algn="ctr">
               <a:spcBef>
@@ -1321,7 +1313,7 @@
               </a:spcAft>
               <a:buSzPts val="12000"/>
               <a:buNone/>
-              <a:defRPr sz="12000"/>
+              <a:defRPr sz="9000"/>
             </a:lvl8pPr>
             <a:lvl9pPr lvl="8" algn="ctr">
               <a:spcBef>
@@ -1332,7 +1324,7 @@
               </a:spcAft>
               <a:buSzPts val="12000"/>
               <a:buNone/>
-              <a:defRPr sz="12000"/>
+              <a:defRPr sz="9000"/>
             </a:lvl9pPr>
           </a:lstStyle>
           <a:p>
@@ -1366,7 +1358,7 @@
             <a:noAutofit/>
           </a:bodyPr>
           <a:lstStyle>
-            <a:lvl1pPr marL="457200" lvl="0" indent="-342900" algn="ctr">
+            <a:lvl1pPr marL="342900" lvl="0" indent="-257175" algn="ctr">
               <a:spcBef>
                 <a:spcPts val="0"/>
               </a:spcBef>
@@ -1377,9 +1369,9 @@
               <a:buChar char="●"/>
               <a:defRPr/>
             </a:lvl1pPr>
-            <a:lvl2pPr marL="914400" lvl="1" indent="-317500" algn="ctr">
-              <a:spcBef>
-                <a:spcPts val="1600"/>
+            <a:lvl2pPr marL="685800" lvl="1" indent="-238125" algn="ctr">
+              <a:spcBef>
+                <a:spcPts val="1200"/>
               </a:spcBef>
               <a:spcAft>
                 <a:spcPts val="0"/>
@@ -1388,9 +1380,9 @@
               <a:buChar char="○"/>
               <a:defRPr/>
             </a:lvl2pPr>
-            <a:lvl3pPr marL="1371600" lvl="2" indent="-317500" algn="ctr">
-              <a:spcBef>
-                <a:spcPts val="1600"/>
+            <a:lvl3pPr marL="1028700" lvl="2" indent="-238125" algn="ctr">
+              <a:spcBef>
+                <a:spcPts val="1200"/>
               </a:spcBef>
               <a:spcAft>
                 <a:spcPts val="0"/>
@@ -1399,9 +1391,9 @@
               <a:buChar char="■"/>
               <a:defRPr/>
             </a:lvl3pPr>
-            <a:lvl4pPr marL="1828800" lvl="3" indent="-317500" algn="ctr">
-              <a:spcBef>
-                <a:spcPts val="1600"/>
+            <a:lvl4pPr marL="1371600" lvl="3" indent="-238125" algn="ctr">
+              <a:spcBef>
+                <a:spcPts val="1200"/>
               </a:spcBef>
               <a:spcAft>
                 <a:spcPts val="0"/>
@@ -1410,9 +1402,9 @@
               <a:buChar char="●"/>
               <a:defRPr/>
             </a:lvl4pPr>
-            <a:lvl5pPr marL="2286000" lvl="4" indent="-317500" algn="ctr">
-              <a:spcBef>
-                <a:spcPts val="1600"/>
+            <a:lvl5pPr marL="1714500" lvl="4" indent="-238125" algn="ctr">
+              <a:spcBef>
+                <a:spcPts val="1200"/>
               </a:spcBef>
               <a:spcAft>
                 <a:spcPts val="0"/>
@@ -1421,9 +1413,9 @@
               <a:buChar char="○"/>
               <a:defRPr/>
             </a:lvl5pPr>
-            <a:lvl6pPr marL="2743200" lvl="5" indent="-317500" algn="ctr">
-              <a:spcBef>
-                <a:spcPts val="1600"/>
+            <a:lvl6pPr marL="2057400" lvl="5" indent="-238125" algn="ctr">
+              <a:spcBef>
+                <a:spcPts val="1200"/>
               </a:spcBef>
               <a:spcAft>
                 <a:spcPts val="0"/>
@@ -1432,9 +1424,9 @@
               <a:buChar char="■"/>
               <a:defRPr/>
             </a:lvl6pPr>
-            <a:lvl7pPr marL="3200400" lvl="6" indent="-317500" algn="ctr">
-              <a:spcBef>
-                <a:spcPts val="1600"/>
+            <a:lvl7pPr marL="2400300" lvl="6" indent="-238125" algn="ctr">
+              <a:spcBef>
+                <a:spcPts val="1200"/>
               </a:spcBef>
               <a:spcAft>
                 <a:spcPts val="0"/>
@@ -1443,9 +1435,9 @@
               <a:buChar char="●"/>
               <a:defRPr/>
             </a:lvl7pPr>
-            <a:lvl8pPr marL="3657600" lvl="7" indent="-317500" algn="ctr">
-              <a:spcBef>
-                <a:spcPts val="1600"/>
+            <a:lvl8pPr marL="2743200" lvl="7" indent="-238125" algn="ctr">
+              <a:spcBef>
+                <a:spcPts val="1200"/>
               </a:spcBef>
               <a:spcAft>
                 <a:spcPts val="0"/>
@@ -1454,12 +1446,12 @@
               <a:buChar char="○"/>
               <a:defRPr/>
             </a:lvl8pPr>
-            <a:lvl9pPr marL="4114800" lvl="8" indent="-317500" algn="ctr">
-              <a:spcBef>
-                <a:spcPts val="1600"/>
-              </a:spcBef>
-              <a:spcAft>
-                <a:spcPts val="1600"/>
+            <a:lvl9pPr marL="3086100" lvl="8" indent="-238125" algn="ctr">
+              <a:spcBef>
+                <a:spcPts val="1200"/>
+              </a:spcBef>
+              <a:spcAft>
+                <a:spcPts val="1200"/>
               </a:spcAft>
               <a:buSzPts val="1400"/>
               <a:buChar char="■"/>
@@ -1483,7 +1475,7 @@
         </p:nvSpPr>
         <p:spPr>
           <a:xfrm>
-            <a:off x="8472458" y="4663217"/>
+            <a:off x="8472459" y="4663217"/>
             <a:ext cx="548700" cy="393600"/>
           </a:xfrm>
           <a:prstGeom prst="rect">
@@ -1533,20 +1525,12 @@
             </a:lvl9pPr>
           </a:lstStyle>
           <a:p>
-            <a:pPr marL="0" lvl="0" indent="0" algn="r" rtl="0">
-              <a:spcBef>
-                <a:spcPts val="0"/>
-              </a:spcBef>
-              <a:spcAft>
-                <a:spcPts val="0"/>
-              </a:spcAft>
-              <a:buNone/>
-            </a:pPr>
             <a:fld id="{00000000-1234-1234-1234-123412341234}" type="slidenum">
-              <a:rPr lang="en"/>
+              <a:rPr lang="en" smtClean="0"/>
+              <a:pPr/>
               <a:t>‹#›</a:t>
             </a:fld>
-            <a:endParaRPr/>
+            <a:endParaRPr lang="en"/>
           </a:p>
         </p:txBody>
       </p:sp>
@@ -1587,7 +1571,7 @@
         </p:nvSpPr>
         <p:spPr>
           <a:xfrm>
-            <a:off x="8472458" y="4663217"/>
+            <a:off x="8472459" y="4663217"/>
             <a:ext cx="548700" cy="393600"/>
           </a:xfrm>
           <a:prstGeom prst="rect">
@@ -1637,20 +1621,12 @@
             </a:lvl9pPr>
           </a:lstStyle>
           <a:p>
-            <a:pPr marL="0" lvl="0" indent="0" algn="r" rtl="0">
-              <a:spcBef>
-                <a:spcPts val="0"/>
-              </a:spcBef>
-              <a:spcAft>
-                <a:spcPts val="0"/>
-              </a:spcAft>
-              <a:buNone/>
-            </a:pPr>
             <a:fld id="{00000000-1234-1234-1234-123412341234}" type="slidenum">
-              <a:rPr lang="en"/>
+              <a:rPr lang="en" smtClean="0"/>
+              <a:pPr/>
               <a:t>‹#›</a:t>
             </a:fld>
-            <a:endParaRPr/>
+            <a:endParaRPr lang="en"/>
           </a:p>
         </p:txBody>
       </p:sp>
@@ -1712,7 +1688,7 @@
               </a:spcAft>
               <a:buSzPts val="3600"/>
               <a:buNone/>
-              <a:defRPr sz="3600"/>
+              <a:defRPr sz="2700"/>
             </a:lvl1pPr>
             <a:lvl2pPr lvl="1" algn="ctr">
               <a:spcBef>
@@ -1723,7 +1699,7 @@
               </a:spcAft>
               <a:buSzPts val="3600"/>
               <a:buNone/>
-              <a:defRPr sz="3600"/>
+              <a:defRPr sz="2700"/>
             </a:lvl2pPr>
             <a:lvl3pPr lvl="2" algn="ctr">
               <a:spcBef>
@@ -1734,7 +1710,7 @@
               </a:spcAft>
               <a:buSzPts val="3600"/>
               <a:buNone/>
-              <a:defRPr sz="3600"/>
+              <a:defRPr sz="2700"/>
             </a:lvl3pPr>
             <a:lvl4pPr lvl="3" algn="ctr">
               <a:spcBef>
@@ -1745,7 +1721,7 @@
               </a:spcAft>
               <a:buSzPts val="3600"/>
               <a:buNone/>
-              <a:defRPr sz="3600"/>
+              <a:defRPr sz="2700"/>
             </a:lvl4pPr>
             <a:lvl5pPr lvl="4" algn="ctr">
               <a:spcBef>
@@ -1756,7 +1732,7 @@
               </a:spcAft>
               <a:buSzPts val="3600"/>
               <a:buNone/>
-              <a:defRPr sz="3600"/>
+              <a:defRPr sz="2700"/>
             </a:lvl5pPr>
             <a:lvl6pPr lvl="5" algn="ctr">
               <a:spcBef>
@@ -1767,7 +1743,7 @@
               </a:spcAft>
               <a:buSzPts val="3600"/>
               <a:buNone/>
-              <a:defRPr sz="3600"/>
+              <a:defRPr sz="2700"/>
             </a:lvl6pPr>
             <a:lvl7pPr lvl="6" algn="ctr">
               <a:spcBef>
@@ -1778,7 +1754,7 @@
               </a:spcAft>
               <a:buSzPts val="3600"/>
               <a:buNone/>
-              <a:defRPr sz="3600"/>
+              <a:defRPr sz="2700"/>
             </a:lvl7pPr>
             <a:lvl8pPr lvl="7" algn="ctr">
               <a:spcBef>
@@ -1789,7 +1765,7 @@
               </a:spcAft>
               <a:buSzPts val="3600"/>
               <a:buNone/>
-              <a:defRPr sz="3600"/>
+              <a:defRPr sz="2700"/>
             </a:lvl8pPr>
             <a:lvl9pPr lvl="8" algn="ctr">
               <a:spcBef>
@@ -1800,7 +1776,7 @@
               </a:spcAft>
               <a:buSzPts val="3600"/>
               <a:buNone/>
-              <a:defRPr sz="3600"/>
+              <a:defRPr sz="2700"/>
             </a:lvl9pPr>
           </a:lstStyle>
           <a:p>
@@ -1820,7 +1796,7 @@
         </p:nvSpPr>
         <p:spPr>
           <a:xfrm>
-            <a:off x="8472458" y="4663217"/>
+            <a:off x="8472459" y="4663217"/>
             <a:ext cx="548700" cy="393600"/>
           </a:xfrm>
           <a:prstGeom prst="rect">
@@ -1870,20 +1846,12 @@
             </a:lvl9pPr>
           </a:lstStyle>
           <a:p>
-            <a:pPr marL="0" lvl="0" indent="0" algn="r" rtl="0">
-              <a:spcBef>
-                <a:spcPts val="0"/>
-              </a:spcBef>
-              <a:spcAft>
-                <a:spcPts val="0"/>
-              </a:spcAft>
-              <a:buNone/>
-            </a:pPr>
             <a:fld id="{00000000-1234-1234-1234-123412341234}" type="slidenum">
-              <a:rPr lang="en"/>
+              <a:rPr lang="en" smtClean="0"/>
+              <a:pPr/>
               <a:t>‹#›</a:t>
             </a:fld>
-            <a:endParaRPr/>
+            <a:endParaRPr lang="en"/>
           </a:p>
         </p:txBody>
       </p:sp>
@@ -2065,7 +2033,7 @@
             <a:noAutofit/>
           </a:bodyPr>
           <a:lstStyle>
-            <a:lvl1pPr marL="457200" lvl="0" indent="-342900">
+            <a:lvl1pPr marL="342900" lvl="0" indent="-257175">
               <a:spcBef>
                 <a:spcPts val="0"/>
               </a:spcBef>
@@ -2076,9 +2044,9 @@
               <a:buChar char="●"/>
               <a:defRPr/>
             </a:lvl1pPr>
-            <a:lvl2pPr marL="914400" lvl="1" indent="-317500">
-              <a:spcBef>
-                <a:spcPts val="1600"/>
+            <a:lvl2pPr marL="685800" lvl="1" indent="-238125">
+              <a:spcBef>
+                <a:spcPts val="1200"/>
               </a:spcBef>
               <a:spcAft>
                 <a:spcPts val="0"/>
@@ -2087,9 +2055,9 @@
               <a:buChar char="○"/>
               <a:defRPr/>
             </a:lvl2pPr>
-            <a:lvl3pPr marL="1371600" lvl="2" indent="-317500">
-              <a:spcBef>
-                <a:spcPts val="1600"/>
+            <a:lvl3pPr marL="1028700" lvl="2" indent="-238125">
+              <a:spcBef>
+                <a:spcPts val="1200"/>
               </a:spcBef>
               <a:spcAft>
                 <a:spcPts val="0"/>
@@ -2098,9 +2066,9 @@
               <a:buChar char="■"/>
               <a:defRPr/>
             </a:lvl3pPr>
-            <a:lvl4pPr marL="1828800" lvl="3" indent="-317500">
-              <a:spcBef>
-                <a:spcPts val="1600"/>
+            <a:lvl4pPr marL="1371600" lvl="3" indent="-238125">
+              <a:spcBef>
+                <a:spcPts val="1200"/>
               </a:spcBef>
               <a:spcAft>
                 <a:spcPts val="0"/>
@@ -2109,9 +2077,9 @@
               <a:buChar char="●"/>
               <a:defRPr/>
             </a:lvl4pPr>
-            <a:lvl5pPr marL="2286000" lvl="4" indent="-317500">
-              <a:spcBef>
-                <a:spcPts val="1600"/>
+            <a:lvl5pPr marL="1714500" lvl="4" indent="-238125">
+              <a:spcBef>
+                <a:spcPts val="1200"/>
               </a:spcBef>
               <a:spcAft>
                 <a:spcPts val="0"/>
@@ -2120,9 +2088,9 @@
               <a:buChar char="○"/>
               <a:defRPr/>
             </a:lvl5pPr>
-            <a:lvl6pPr marL="2743200" lvl="5" indent="-317500">
-              <a:spcBef>
-                <a:spcPts val="1600"/>
+            <a:lvl6pPr marL="2057400" lvl="5" indent="-238125">
+              <a:spcBef>
+                <a:spcPts val="1200"/>
               </a:spcBef>
               <a:spcAft>
                 <a:spcPts val="0"/>
@@ -2131,9 +2099,9 @@
               <a:buChar char="■"/>
               <a:defRPr/>
             </a:lvl6pPr>
-            <a:lvl7pPr marL="3200400" lvl="6" indent="-317500">
-              <a:spcBef>
-                <a:spcPts val="1600"/>
+            <a:lvl7pPr marL="2400300" lvl="6" indent="-238125">
+              <a:spcBef>
+                <a:spcPts val="1200"/>
               </a:spcBef>
               <a:spcAft>
                 <a:spcPts val="0"/>
@@ -2142,9 +2110,9 @@
               <a:buChar char="●"/>
               <a:defRPr/>
             </a:lvl7pPr>
-            <a:lvl8pPr marL="3657600" lvl="7" indent="-317500">
-              <a:spcBef>
-                <a:spcPts val="1600"/>
+            <a:lvl8pPr marL="2743200" lvl="7" indent="-238125">
+              <a:spcBef>
+                <a:spcPts val="1200"/>
               </a:spcBef>
               <a:spcAft>
                 <a:spcPts val="0"/>
@@ -2153,12 +2121,12 @@
               <a:buChar char="○"/>
               <a:defRPr/>
             </a:lvl8pPr>
-            <a:lvl9pPr marL="4114800" lvl="8" indent="-317500">
-              <a:spcBef>
-                <a:spcPts val="1600"/>
-              </a:spcBef>
-              <a:spcAft>
-                <a:spcPts val="1600"/>
+            <a:lvl9pPr marL="3086100" lvl="8" indent="-238125">
+              <a:spcBef>
+                <a:spcPts val="1200"/>
+              </a:spcBef>
+              <a:spcAft>
+                <a:spcPts val="1200"/>
               </a:spcAft>
               <a:buSzPts val="1400"/>
               <a:buChar char="■"/>
@@ -2182,7 +2150,7 @@
         </p:nvSpPr>
         <p:spPr>
           <a:xfrm>
-            <a:off x="8472458" y="4663217"/>
+            <a:off x="8472459" y="4663217"/>
             <a:ext cx="548700" cy="393600"/>
           </a:xfrm>
           <a:prstGeom prst="rect">
@@ -2232,20 +2200,12 @@
             </a:lvl9pPr>
           </a:lstStyle>
           <a:p>
-            <a:pPr marL="0" lvl="0" indent="0" algn="r" rtl="0">
-              <a:spcBef>
-                <a:spcPts val="0"/>
-              </a:spcBef>
-              <a:spcAft>
-                <a:spcPts val="0"/>
-              </a:spcAft>
-              <a:buNone/>
-            </a:pPr>
             <a:fld id="{00000000-1234-1234-1234-123412341234}" type="slidenum">
-              <a:rPr lang="en"/>
+              <a:rPr lang="en" smtClean="0"/>
+              <a:pPr/>
               <a:t>‹#›</a:t>
             </a:fld>
-            <a:endParaRPr/>
+            <a:endParaRPr lang="en"/>
           </a:p>
         </p:txBody>
       </p:sp>
@@ -2415,7 +2375,7 @@
         </p:nvSpPr>
         <p:spPr>
           <a:xfrm>
-            <a:off x="311700" y="1152475"/>
+            <a:off x="311701" y="1152475"/>
             <a:ext cx="3999900" cy="3416400"/>
           </a:xfrm>
           <a:prstGeom prst="rect">
@@ -2427,7 +2387,7 @@
             <a:noAutofit/>
           </a:bodyPr>
           <a:lstStyle>
-            <a:lvl1pPr marL="457200" lvl="0" indent="-317500">
+            <a:lvl1pPr marL="342900" lvl="0" indent="-238125">
               <a:spcBef>
                 <a:spcPts val="0"/>
               </a:spcBef>
@@ -2436,95 +2396,95 @@
               </a:spcAft>
               <a:buSzPts val="1400"/>
               <a:buChar char="●"/>
-              <a:defRPr sz="1400"/>
+              <a:defRPr sz="1050"/>
             </a:lvl1pPr>
-            <a:lvl2pPr marL="914400" lvl="1" indent="-304800">
-              <a:spcBef>
-                <a:spcPts val="1600"/>
+            <a:lvl2pPr marL="685800" lvl="1" indent="-228600">
+              <a:spcBef>
+                <a:spcPts val="1200"/>
               </a:spcBef>
               <a:spcAft>
                 <a:spcPts val="0"/>
               </a:spcAft>
               <a:buSzPts val="1200"/>
               <a:buChar char="○"/>
-              <a:defRPr sz="1200"/>
+              <a:defRPr sz="900"/>
             </a:lvl2pPr>
-            <a:lvl3pPr marL="1371600" lvl="2" indent="-304800">
-              <a:spcBef>
-                <a:spcPts val="1600"/>
+            <a:lvl3pPr marL="1028700" lvl="2" indent="-228600">
+              <a:spcBef>
+                <a:spcPts val="1200"/>
               </a:spcBef>
               <a:spcAft>
                 <a:spcPts val="0"/>
               </a:spcAft>
               <a:buSzPts val="1200"/>
               <a:buChar char="■"/>
-              <a:defRPr sz="1200"/>
+              <a:defRPr sz="900"/>
             </a:lvl3pPr>
-            <a:lvl4pPr marL="1828800" lvl="3" indent="-304800">
-              <a:spcBef>
-                <a:spcPts val="1600"/>
+            <a:lvl4pPr marL="1371600" lvl="3" indent="-228600">
+              <a:spcBef>
+                <a:spcPts val="1200"/>
               </a:spcBef>
               <a:spcAft>
                 <a:spcPts val="0"/>
               </a:spcAft>
               <a:buSzPts val="1200"/>
               <a:buChar char="●"/>
-              <a:defRPr sz="1200"/>
+              <a:defRPr sz="900"/>
             </a:lvl4pPr>
-            <a:lvl5pPr marL="2286000" lvl="4" indent="-304800">
-              <a:spcBef>
-                <a:spcPts val="1600"/>
+            <a:lvl5pPr marL="1714500" lvl="4" indent="-228600">
+              <a:spcBef>
+                <a:spcPts val="1200"/>
               </a:spcBef>
               <a:spcAft>
                 <a:spcPts val="0"/>
               </a:spcAft>
               <a:buSzPts val="1200"/>
               <a:buChar char="○"/>
-              <a:defRPr sz="1200"/>
+              <a:defRPr sz="900"/>
             </a:lvl5pPr>
-            <a:lvl6pPr marL="2743200" lvl="5" indent="-304800">
-              <a:spcBef>
-                <a:spcPts val="1600"/>
+            <a:lvl6pPr marL="2057400" lvl="5" indent="-228600">
+              <a:spcBef>
+                <a:spcPts val="1200"/>
               </a:spcBef>
               <a:spcAft>
                 <a:spcPts val="0"/>
               </a:spcAft>
               <a:buSzPts val="1200"/>
               <a:buChar char="■"/>
-              <a:defRPr sz="1200"/>
+              <a:defRPr sz="900"/>
             </a:lvl6pPr>
-            <a:lvl7pPr marL="3200400" lvl="6" indent="-304800">
-              <a:spcBef>
-                <a:spcPts val="1600"/>
+            <a:lvl7pPr marL="2400300" lvl="6" indent="-228600">
+              <a:spcBef>
+                <a:spcPts val="1200"/>
               </a:spcBef>
               <a:spcAft>
                 <a:spcPts val="0"/>
               </a:spcAft>
               <a:buSzPts val="1200"/>
               <a:buChar char="●"/>
-              <a:defRPr sz="1200"/>
+              <a:defRPr sz="900"/>
             </a:lvl7pPr>
-            <a:lvl8pPr marL="3657600" lvl="7" indent="-304800">
-              <a:spcBef>
-                <a:spcPts val="1600"/>
+            <a:lvl8pPr marL="2743200" lvl="7" indent="-228600">
+              <a:spcBef>
+                <a:spcPts val="1200"/>
               </a:spcBef>
               <a:spcAft>
                 <a:spcPts val="0"/>
               </a:spcAft>
               <a:buSzPts val="1200"/>
               <a:buChar char="○"/>
-              <a:defRPr sz="1200"/>
+              <a:defRPr sz="900"/>
             </a:lvl8pPr>
-            <a:lvl9pPr marL="4114800" lvl="8" indent="-304800">
-              <a:spcBef>
-                <a:spcPts val="1600"/>
-              </a:spcBef>
-              <a:spcAft>
-                <a:spcPts val="1600"/>
+            <a:lvl9pPr marL="3086100" lvl="8" indent="-228600">
+              <a:spcBef>
+                <a:spcPts val="1200"/>
+              </a:spcBef>
+              <a:spcAft>
+                <a:spcPts val="1200"/>
               </a:spcAft>
               <a:buSzPts val="1200"/>
               <a:buChar char="■"/>
-              <a:defRPr sz="1200"/>
+              <a:defRPr sz="900"/>
             </a:lvl9pPr>
           </a:lstStyle>
           <a:p>
@@ -2544,7 +2504,7 @@
         </p:nvSpPr>
         <p:spPr>
           <a:xfrm>
-            <a:off x="4832400" y="1152475"/>
+            <a:off x="4832401" y="1152475"/>
             <a:ext cx="3999900" cy="3416400"/>
           </a:xfrm>
           <a:prstGeom prst="rect">
@@ -2556,7 +2516,7 @@
             <a:noAutofit/>
           </a:bodyPr>
           <a:lstStyle>
-            <a:lvl1pPr marL="457200" lvl="0" indent="-317500">
+            <a:lvl1pPr marL="342900" lvl="0" indent="-238125">
               <a:spcBef>
                 <a:spcPts val="0"/>
               </a:spcBef>
@@ -2565,95 +2525,95 @@
               </a:spcAft>
               <a:buSzPts val="1400"/>
               <a:buChar char="●"/>
-              <a:defRPr sz="1400"/>
+              <a:defRPr sz="1050"/>
             </a:lvl1pPr>
-            <a:lvl2pPr marL="914400" lvl="1" indent="-304800">
-              <a:spcBef>
-                <a:spcPts val="1600"/>
+            <a:lvl2pPr marL="685800" lvl="1" indent="-228600">
+              <a:spcBef>
+                <a:spcPts val="1200"/>
               </a:spcBef>
               <a:spcAft>
                 <a:spcPts val="0"/>
               </a:spcAft>
               <a:buSzPts val="1200"/>
               <a:buChar char="○"/>
-              <a:defRPr sz="1200"/>
+              <a:defRPr sz="900"/>
             </a:lvl2pPr>
-            <a:lvl3pPr marL="1371600" lvl="2" indent="-304800">
-              <a:spcBef>
-                <a:spcPts val="1600"/>
+            <a:lvl3pPr marL="1028700" lvl="2" indent="-228600">
+              <a:spcBef>
+                <a:spcPts val="1200"/>
               </a:spcBef>
               <a:spcAft>
                 <a:spcPts val="0"/>
               </a:spcAft>
               <a:buSzPts val="1200"/>
               <a:buChar char="■"/>
-              <a:defRPr sz="1200"/>
+              <a:defRPr sz="900"/>
             </a:lvl3pPr>
-            <a:lvl4pPr marL="1828800" lvl="3" indent="-304800">
-              <a:spcBef>
-                <a:spcPts val="1600"/>
+            <a:lvl4pPr marL="1371600" lvl="3" indent="-228600">
+              <a:spcBef>
+                <a:spcPts val="1200"/>
               </a:spcBef>
               <a:spcAft>
                 <a:spcPts val="0"/>
               </a:spcAft>
               <a:buSzPts val="1200"/>
               <a:buChar char="●"/>
-              <a:defRPr sz="1200"/>
+              <a:defRPr sz="900"/>
             </a:lvl4pPr>
-            <a:lvl5pPr marL="2286000" lvl="4" indent="-304800">
-              <a:spcBef>
-                <a:spcPts val="1600"/>
+            <a:lvl5pPr marL="1714500" lvl="4" indent="-228600">
+              <a:spcBef>
+                <a:spcPts val="1200"/>
               </a:spcBef>
               <a:spcAft>
                 <a:spcPts val="0"/>
               </a:spcAft>
               <a:buSzPts val="1200"/>
               <a:buChar char="○"/>
-              <a:defRPr sz="1200"/>
+              <a:defRPr sz="900"/>
             </a:lvl5pPr>
-            <a:lvl6pPr marL="2743200" lvl="5" indent="-304800">
-              <a:spcBef>
-                <a:spcPts val="1600"/>
+            <a:lvl6pPr marL="2057400" lvl="5" indent="-228600">
+              <a:spcBef>
+                <a:spcPts val="1200"/>
               </a:spcBef>
               <a:spcAft>
                 <a:spcPts val="0"/>
               </a:spcAft>
               <a:buSzPts val="1200"/>
               <a:buChar char="■"/>
-              <a:defRPr sz="1200"/>
+              <a:defRPr sz="900"/>
             </a:lvl6pPr>
-            <a:lvl7pPr marL="3200400" lvl="6" indent="-304800">
-              <a:spcBef>
-                <a:spcPts val="1600"/>
+            <a:lvl7pPr marL="2400300" lvl="6" indent="-228600">
+              <a:spcBef>
+                <a:spcPts val="1200"/>
               </a:spcBef>
               <a:spcAft>
                 <a:spcPts val="0"/>
               </a:spcAft>
               <a:buSzPts val="1200"/>
               <a:buChar char="●"/>
-              <a:defRPr sz="1200"/>
+              <a:defRPr sz="900"/>
             </a:lvl7pPr>
-            <a:lvl8pPr marL="3657600" lvl="7" indent="-304800">
-              <a:spcBef>
-                <a:spcPts val="1600"/>
+            <a:lvl8pPr marL="2743200" lvl="7" indent="-228600">
+              <a:spcBef>
+                <a:spcPts val="1200"/>
               </a:spcBef>
               <a:spcAft>
                 <a:spcPts val="0"/>
               </a:spcAft>
               <a:buSzPts val="1200"/>
               <a:buChar char="○"/>
-              <a:defRPr sz="1200"/>
+              <a:defRPr sz="900"/>
             </a:lvl8pPr>
-            <a:lvl9pPr marL="4114800" lvl="8" indent="-304800">
-              <a:spcBef>
-                <a:spcPts val="1600"/>
-              </a:spcBef>
-              <a:spcAft>
-                <a:spcPts val="1600"/>
+            <a:lvl9pPr marL="3086100" lvl="8" indent="-228600">
+              <a:spcBef>
+                <a:spcPts val="1200"/>
+              </a:spcBef>
+              <a:spcAft>
+                <a:spcPts val="1200"/>
               </a:spcAft>
               <a:buSzPts val="1200"/>
               <a:buChar char="■"/>
-              <a:defRPr sz="1200"/>
+              <a:defRPr sz="900"/>
             </a:lvl9pPr>
           </a:lstStyle>
           <a:p>
@@ -2673,7 +2633,7 @@
         </p:nvSpPr>
         <p:spPr>
           <a:xfrm>
-            <a:off x="8472458" y="4663217"/>
+            <a:off x="8472459" y="4663217"/>
             <a:ext cx="548700" cy="393600"/>
           </a:xfrm>
           <a:prstGeom prst="rect">
@@ -2723,20 +2683,12 @@
             </a:lvl9pPr>
           </a:lstStyle>
           <a:p>
-            <a:pPr marL="0" lvl="0" indent="0" algn="r" rtl="0">
-              <a:spcBef>
-                <a:spcPts val="0"/>
-              </a:spcBef>
-              <a:spcAft>
-                <a:spcPts val="0"/>
-              </a:spcAft>
-              <a:buNone/>
-            </a:pPr>
             <a:fld id="{00000000-1234-1234-1234-123412341234}" type="slidenum">
-              <a:rPr lang="en"/>
+              <a:rPr lang="en" smtClean="0"/>
+              <a:pPr/>
               <a:t>‹#›</a:t>
             </a:fld>
-            <a:endParaRPr/>
+            <a:endParaRPr lang="en"/>
           </a:p>
         </p:txBody>
       </p:sp>
@@ -2906,7 +2858,7 @@
         </p:nvSpPr>
         <p:spPr>
           <a:xfrm>
-            <a:off x="8472458" y="4663217"/>
+            <a:off x="8472459" y="4663217"/>
             <a:ext cx="548700" cy="393600"/>
           </a:xfrm>
           <a:prstGeom prst="rect">
@@ -2956,20 +2908,12 @@
             </a:lvl9pPr>
           </a:lstStyle>
           <a:p>
-            <a:pPr marL="0" lvl="0" indent="0" algn="r" rtl="0">
-              <a:spcBef>
-                <a:spcPts val="0"/>
-              </a:spcBef>
-              <a:spcAft>
-                <a:spcPts val="0"/>
-              </a:spcAft>
-              <a:buNone/>
-            </a:pPr>
             <a:fld id="{00000000-1234-1234-1234-123412341234}" type="slidenum">
-              <a:rPr lang="en"/>
+              <a:rPr lang="en" smtClean="0"/>
+              <a:pPr/>
               <a:t>‹#›</a:t>
             </a:fld>
-            <a:endParaRPr/>
+            <a:endParaRPr lang="en"/>
           </a:p>
         </p:txBody>
       </p:sp>
@@ -3031,7 +2975,7 @@
               </a:spcAft>
               <a:buSzPts val="2400"/>
               <a:buNone/>
-              <a:defRPr sz="2400"/>
+              <a:defRPr sz="1800"/>
             </a:lvl1pPr>
             <a:lvl2pPr lvl="1">
               <a:spcBef>
@@ -3042,7 +2986,7 @@
               </a:spcAft>
               <a:buSzPts val="2400"/>
               <a:buNone/>
-              <a:defRPr sz="2400"/>
+              <a:defRPr sz="1800"/>
             </a:lvl2pPr>
             <a:lvl3pPr lvl="2">
               <a:spcBef>
@@ -3053,7 +2997,7 @@
               </a:spcAft>
               <a:buSzPts val="2400"/>
               <a:buNone/>
-              <a:defRPr sz="2400"/>
+              <a:defRPr sz="1800"/>
             </a:lvl3pPr>
             <a:lvl4pPr lvl="3">
               <a:spcBef>
@@ -3064,7 +3008,7 @@
               </a:spcAft>
               <a:buSzPts val="2400"/>
               <a:buNone/>
-              <a:defRPr sz="2400"/>
+              <a:defRPr sz="1800"/>
             </a:lvl4pPr>
             <a:lvl5pPr lvl="4">
               <a:spcBef>
@@ -3075,7 +3019,7 @@
               </a:spcAft>
               <a:buSzPts val="2400"/>
               <a:buNone/>
-              <a:defRPr sz="2400"/>
+              <a:defRPr sz="1800"/>
             </a:lvl5pPr>
             <a:lvl6pPr lvl="5">
               <a:spcBef>
@@ -3086,7 +3030,7 @@
               </a:spcAft>
               <a:buSzPts val="2400"/>
               <a:buNone/>
-              <a:defRPr sz="2400"/>
+              <a:defRPr sz="1800"/>
             </a:lvl6pPr>
             <a:lvl7pPr lvl="6">
               <a:spcBef>
@@ -3097,7 +3041,7 @@
               </a:spcAft>
               <a:buSzPts val="2400"/>
               <a:buNone/>
-              <a:defRPr sz="2400"/>
+              <a:defRPr sz="1800"/>
             </a:lvl7pPr>
             <a:lvl8pPr lvl="7">
               <a:spcBef>
@@ -3108,7 +3052,7 @@
               </a:spcAft>
               <a:buSzPts val="2400"/>
               <a:buNone/>
-              <a:defRPr sz="2400"/>
+              <a:defRPr sz="1800"/>
             </a:lvl8pPr>
             <a:lvl9pPr lvl="8">
               <a:spcBef>
@@ -3119,7 +3063,7 @@
               </a:spcAft>
               <a:buSzPts val="2400"/>
               <a:buNone/>
-              <a:defRPr sz="2400"/>
+              <a:defRPr sz="1800"/>
             </a:lvl9pPr>
           </a:lstStyle>
           <a:p>
@@ -3151,7 +3095,7 @@
             <a:noAutofit/>
           </a:bodyPr>
           <a:lstStyle>
-            <a:lvl1pPr marL="457200" lvl="0" indent="-304800">
+            <a:lvl1pPr marL="342900" lvl="0" indent="-228600">
               <a:spcBef>
                 <a:spcPts val="0"/>
               </a:spcBef>
@@ -3160,95 +3104,95 @@
               </a:spcAft>
               <a:buSzPts val="1200"/>
               <a:buChar char="●"/>
-              <a:defRPr sz="1200"/>
+              <a:defRPr sz="900"/>
             </a:lvl1pPr>
-            <a:lvl2pPr marL="914400" lvl="1" indent="-304800">
-              <a:spcBef>
-                <a:spcPts val="1600"/>
+            <a:lvl2pPr marL="685800" lvl="1" indent="-228600">
+              <a:spcBef>
+                <a:spcPts val="1200"/>
               </a:spcBef>
               <a:spcAft>
                 <a:spcPts val="0"/>
               </a:spcAft>
               <a:buSzPts val="1200"/>
               <a:buChar char="○"/>
-              <a:defRPr sz="1200"/>
+              <a:defRPr sz="900"/>
             </a:lvl2pPr>
-            <a:lvl3pPr marL="1371600" lvl="2" indent="-304800">
-              <a:spcBef>
-                <a:spcPts val="1600"/>
+            <a:lvl3pPr marL="1028700" lvl="2" indent="-228600">
+              <a:spcBef>
+                <a:spcPts val="1200"/>
               </a:spcBef>
               <a:spcAft>
                 <a:spcPts val="0"/>
               </a:spcAft>
               <a:buSzPts val="1200"/>
               <a:buChar char="■"/>
-              <a:defRPr sz="1200"/>
+              <a:defRPr sz="900"/>
             </a:lvl3pPr>
-            <a:lvl4pPr marL="1828800" lvl="3" indent="-304800">
-              <a:spcBef>
-                <a:spcPts val="1600"/>
+            <a:lvl4pPr marL="1371600" lvl="3" indent="-228600">
+              <a:spcBef>
+                <a:spcPts val="1200"/>
               </a:spcBef>
               <a:spcAft>
                 <a:spcPts val="0"/>
               </a:spcAft>
               <a:buSzPts val="1200"/>
               <a:buChar char="●"/>
-              <a:defRPr sz="1200"/>
+              <a:defRPr sz="900"/>
             </a:lvl4pPr>
-            <a:lvl5pPr marL="2286000" lvl="4" indent="-304800">
-              <a:spcBef>
-                <a:spcPts val="1600"/>
+            <a:lvl5pPr marL="1714500" lvl="4" indent="-228600">
+              <a:spcBef>
+                <a:spcPts val="1200"/>
               </a:spcBef>
               <a:spcAft>
                 <a:spcPts val="0"/>
               </a:spcAft>
               <a:buSzPts val="1200"/>
               <a:buChar char="○"/>
-              <a:defRPr sz="1200"/>
+              <a:defRPr sz="900"/>
             </a:lvl5pPr>
-            <a:lvl6pPr marL="2743200" lvl="5" indent="-304800">
-              <a:spcBef>
-                <a:spcPts val="1600"/>
+            <a:lvl6pPr marL="2057400" lvl="5" indent="-228600">
+              <a:spcBef>
+                <a:spcPts val="1200"/>
               </a:spcBef>
               <a:spcAft>
                 <a:spcPts val="0"/>
               </a:spcAft>
               <a:buSzPts val="1200"/>
               <a:buChar char="■"/>
-              <a:defRPr sz="1200"/>
+              <a:defRPr sz="900"/>
             </a:lvl6pPr>
-            <a:lvl7pPr marL="3200400" lvl="6" indent="-304800">
-              <a:spcBef>
-                <a:spcPts val="1600"/>
+            <a:lvl7pPr marL="2400300" lvl="6" indent="-228600">
+              <a:spcBef>
+                <a:spcPts val="1200"/>
               </a:spcBef>
               <a:spcAft>
                 <a:spcPts val="0"/>
               </a:spcAft>
               <a:buSzPts val="1200"/>
               <a:buChar char="●"/>
-              <a:defRPr sz="1200"/>
+              <a:defRPr sz="900"/>
             </a:lvl7pPr>
-            <a:lvl8pPr marL="3657600" lvl="7" indent="-304800">
-              <a:spcBef>
-                <a:spcPts val="1600"/>
+            <a:lvl8pPr marL="2743200" lvl="7" indent="-228600">
+              <a:spcBef>
+                <a:spcPts val="1200"/>
               </a:spcBef>
               <a:spcAft>
                 <a:spcPts val="0"/>
               </a:spcAft>
               <a:buSzPts val="1200"/>
               <a:buChar char="○"/>
-              <a:defRPr sz="1200"/>
+              <a:defRPr sz="900"/>
             </a:lvl8pPr>
-            <a:lvl9pPr marL="4114800" lvl="8" indent="-304800">
-              <a:spcBef>
-                <a:spcPts val="1600"/>
-              </a:spcBef>
-              <a:spcAft>
-                <a:spcPts val="1600"/>
+            <a:lvl9pPr marL="3086100" lvl="8" indent="-228600">
+              <a:spcBef>
+                <a:spcPts val="1200"/>
+              </a:spcBef>
+              <a:spcAft>
+                <a:spcPts val="1200"/>
               </a:spcAft>
               <a:buSzPts val="1200"/>
               <a:buChar char="■"/>
-              <a:defRPr sz="1200"/>
+              <a:defRPr sz="900"/>
             </a:lvl9pPr>
           </a:lstStyle>
           <a:p>
@@ -3268,7 +3212,7 @@
         </p:nvSpPr>
         <p:spPr>
           <a:xfrm>
-            <a:off x="8472458" y="4663217"/>
+            <a:off x="8472459" y="4663217"/>
             <a:ext cx="548700" cy="393600"/>
           </a:xfrm>
           <a:prstGeom prst="rect">
@@ -3318,20 +3262,12 @@
             </a:lvl9pPr>
           </a:lstStyle>
           <a:p>
-            <a:pPr marL="0" lvl="0" indent="0" algn="r" rtl="0">
-              <a:spcBef>
-                <a:spcPts val="0"/>
-              </a:spcBef>
-              <a:spcAft>
-                <a:spcPts val="0"/>
-              </a:spcAft>
-              <a:buNone/>
-            </a:pPr>
             <a:fld id="{00000000-1234-1234-1234-123412341234}" type="slidenum">
-              <a:rPr lang="en"/>
+              <a:rPr lang="en" smtClean="0"/>
+              <a:pPr/>
               <a:t>‹#›</a:t>
             </a:fld>
-            <a:endParaRPr/>
+            <a:endParaRPr lang="en"/>
           </a:p>
         </p:txBody>
       </p:sp>
@@ -3372,7 +3308,7 @@
         </p:nvSpPr>
         <p:spPr>
           <a:xfrm>
-            <a:off x="490250" y="450150"/>
+            <a:off x="490251" y="450150"/>
             <a:ext cx="6367800" cy="4090800"/>
           </a:xfrm>
           <a:prstGeom prst="rect">
@@ -3393,7 +3329,7 @@
               </a:spcAft>
               <a:buSzPts val="4800"/>
               <a:buNone/>
-              <a:defRPr sz="4800"/>
+              <a:defRPr sz="3600"/>
             </a:lvl1pPr>
             <a:lvl2pPr lvl="1">
               <a:spcBef>
@@ -3404,7 +3340,7 @@
               </a:spcAft>
               <a:buSzPts val="4800"/>
               <a:buNone/>
-              <a:defRPr sz="4800"/>
+              <a:defRPr sz="3600"/>
             </a:lvl2pPr>
             <a:lvl3pPr lvl="2">
               <a:spcBef>
@@ -3415,7 +3351,7 @@
               </a:spcAft>
               <a:buSzPts val="4800"/>
               <a:buNone/>
-              <a:defRPr sz="4800"/>
+              <a:defRPr sz="3600"/>
             </a:lvl3pPr>
             <a:lvl4pPr lvl="3">
               <a:spcBef>
@@ -3426,7 +3362,7 @@
               </a:spcAft>
               <a:buSzPts val="4800"/>
               <a:buNone/>
-              <a:defRPr sz="4800"/>
+              <a:defRPr sz="3600"/>
             </a:lvl4pPr>
             <a:lvl5pPr lvl="4">
               <a:spcBef>
@@ -3437,7 +3373,7 @@
               </a:spcAft>
               <a:buSzPts val="4800"/>
               <a:buNone/>
-              <a:defRPr sz="4800"/>
+              <a:defRPr sz="3600"/>
             </a:lvl5pPr>
             <a:lvl6pPr lvl="5">
               <a:spcBef>
@@ -3448,7 +3384,7 @@
               </a:spcAft>
               <a:buSzPts val="4800"/>
               <a:buNone/>
-              <a:defRPr sz="4800"/>
+              <a:defRPr sz="3600"/>
             </a:lvl6pPr>
             <a:lvl7pPr lvl="6">
               <a:spcBef>
@@ -3459,7 +3395,7 @@
               </a:spcAft>
               <a:buSzPts val="4800"/>
               <a:buNone/>
-              <a:defRPr sz="4800"/>
+              <a:defRPr sz="3600"/>
             </a:lvl7pPr>
             <a:lvl8pPr lvl="7">
               <a:spcBef>
@@ -3470,7 +3406,7 @@
               </a:spcAft>
               <a:buSzPts val="4800"/>
               <a:buNone/>
-              <a:defRPr sz="4800"/>
+              <a:defRPr sz="3600"/>
             </a:lvl8pPr>
             <a:lvl9pPr lvl="8">
               <a:spcBef>
@@ -3481,7 +3417,7 @@
               </a:spcAft>
               <a:buSzPts val="4800"/>
               <a:buNone/>
-              <a:defRPr sz="4800"/>
+              <a:defRPr sz="3600"/>
             </a:lvl9pPr>
           </a:lstStyle>
           <a:p>
@@ -3501,7 +3437,7 @@
         </p:nvSpPr>
         <p:spPr>
           <a:xfrm>
-            <a:off x="8472458" y="4663217"/>
+            <a:off x="8472459" y="4663217"/>
             <a:ext cx="548700" cy="393600"/>
           </a:xfrm>
           <a:prstGeom prst="rect">
@@ -3551,20 +3487,12 @@
             </a:lvl9pPr>
           </a:lstStyle>
           <a:p>
-            <a:pPr marL="0" lvl="0" indent="0" algn="r" rtl="0">
-              <a:spcBef>
-                <a:spcPts val="0"/>
-              </a:spcBef>
-              <a:spcAft>
-                <a:spcPts val="0"/>
-              </a:spcAft>
-              <a:buNone/>
-            </a:pPr>
             <a:fld id="{00000000-1234-1234-1234-123412341234}" type="slidenum">
-              <a:rPr lang="en"/>
+              <a:rPr lang="en" smtClean="0"/>
+              <a:pPr/>
               <a:t>‹#›</a:t>
             </a:fld>
-            <a:endParaRPr/>
+            <a:endParaRPr lang="en"/>
           </a:p>
         </p:txBody>
       </p:sp>
@@ -3615,7 +3543,7 @@
           </a:ln>
         </p:spPr>
         <p:txBody>
-          <a:bodyPr spcFirstLastPara="1" wrap="square" lIns="91425" tIns="91425" rIns="91425" bIns="91425" anchor="ctr" anchorCtr="0">
+          <a:bodyPr spcFirstLastPara="1" wrap="square" lIns="68569" tIns="68569" rIns="68569" bIns="68569" anchor="ctr" anchorCtr="0">
             <a:noAutofit/>
           </a:bodyPr>
           <a:lstStyle/>
@@ -3629,7 +3557,7 @@
               </a:spcAft>
               <a:buNone/>
             </a:pPr>
-            <a:endParaRPr/>
+            <a:endParaRPr sz="1050"/>
           </a:p>
         </p:txBody>
       </p:sp>
@@ -3666,7 +3594,7 @@
               </a:spcAft>
               <a:buSzPts val="4200"/>
               <a:buNone/>
-              <a:defRPr sz="4200"/>
+              <a:defRPr sz="3150"/>
             </a:lvl1pPr>
             <a:lvl2pPr lvl="1" algn="ctr">
               <a:spcBef>
@@ -3677,7 +3605,7 @@
               </a:spcAft>
               <a:buSzPts val="4200"/>
               <a:buNone/>
-              <a:defRPr sz="4200"/>
+              <a:defRPr sz="3150"/>
             </a:lvl2pPr>
             <a:lvl3pPr lvl="2" algn="ctr">
               <a:spcBef>
@@ -3688,7 +3616,7 @@
               </a:spcAft>
               <a:buSzPts val="4200"/>
               <a:buNone/>
-              <a:defRPr sz="4200"/>
+              <a:defRPr sz="3150"/>
             </a:lvl3pPr>
             <a:lvl4pPr lvl="3" algn="ctr">
               <a:spcBef>
@@ -3699,7 +3627,7 @@
               </a:spcAft>
               <a:buSzPts val="4200"/>
               <a:buNone/>
-              <a:defRPr sz="4200"/>
+              <a:defRPr sz="3150"/>
             </a:lvl4pPr>
             <a:lvl5pPr lvl="4" algn="ctr">
               <a:spcBef>
@@ -3710,7 +3638,7 @@
               </a:spcAft>
               <a:buSzPts val="4200"/>
               <a:buNone/>
-              <a:defRPr sz="4200"/>
+              <a:defRPr sz="3150"/>
             </a:lvl5pPr>
             <a:lvl6pPr lvl="5" algn="ctr">
               <a:spcBef>
@@ -3721,7 +3649,7 @@
               </a:spcAft>
               <a:buSzPts val="4200"/>
               <a:buNone/>
-              <a:defRPr sz="4200"/>
+              <a:defRPr sz="3150"/>
             </a:lvl6pPr>
             <a:lvl7pPr lvl="6" algn="ctr">
               <a:spcBef>
@@ -3732,7 +3660,7 @@
               </a:spcAft>
               <a:buSzPts val="4200"/>
               <a:buNone/>
-              <a:defRPr sz="4200"/>
+              <a:defRPr sz="3150"/>
             </a:lvl7pPr>
             <a:lvl8pPr lvl="7" algn="ctr">
               <a:spcBef>
@@ -3743,7 +3671,7 @@
               </a:spcAft>
               <a:buSzPts val="4200"/>
               <a:buNone/>
-              <a:defRPr sz="4200"/>
+              <a:defRPr sz="3150"/>
             </a:lvl8pPr>
             <a:lvl9pPr lvl="8" algn="ctr">
               <a:spcBef>
@@ -3754,7 +3682,7 @@
               </a:spcAft>
               <a:buSzPts val="4200"/>
               <a:buNone/>
-              <a:defRPr sz="4200"/>
+              <a:defRPr sz="3150"/>
             </a:lvl9pPr>
           </a:lstStyle>
           <a:p>
@@ -3798,7 +3726,7 @@
               </a:spcAft>
               <a:buSzPts val="2100"/>
               <a:buNone/>
-              <a:defRPr sz="2100"/>
+              <a:defRPr sz="1575"/>
             </a:lvl1pPr>
             <a:lvl2pPr lvl="1" algn="ctr">
               <a:lnSpc>
@@ -3812,7 +3740,7 @@
               </a:spcAft>
               <a:buSzPts val="2100"/>
               <a:buNone/>
-              <a:defRPr sz="2100"/>
+              <a:defRPr sz="1575"/>
             </a:lvl2pPr>
             <a:lvl3pPr lvl="2" algn="ctr">
               <a:lnSpc>
@@ -3826,7 +3754,7 @@
               </a:spcAft>
               <a:buSzPts val="2100"/>
               <a:buNone/>
-              <a:defRPr sz="2100"/>
+              <a:defRPr sz="1575"/>
             </a:lvl3pPr>
             <a:lvl4pPr lvl="3" algn="ctr">
               <a:lnSpc>
@@ -3840,7 +3768,7 @@
               </a:spcAft>
               <a:buSzPts val="2100"/>
               <a:buNone/>
-              <a:defRPr sz="2100"/>
+              <a:defRPr sz="1575"/>
             </a:lvl4pPr>
             <a:lvl5pPr lvl="4" algn="ctr">
               <a:lnSpc>
@@ -3854,7 +3782,7 @@
               </a:spcAft>
               <a:buSzPts val="2100"/>
               <a:buNone/>
-              <a:defRPr sz="2100"/>
+              <a:defRPr sz="1575"/>
             </a:lvl5pPr>
             <a:lvl6pPr lvl="5" algn="ctr">
               <a:lnSpc>
@@ -3868,7 +3796,7 @@
               </a:spcAft>
               <a:buSzPts val="2100"/>
               <a:buNone/>
-              <a:defRPr sz="2100"/>
+              <a:defRPr sz="1575"/>
             </a:lvl6pPr>
             <a:lvl7pPr lvl="6" algn="ctr">
               <a:lnSpc>
@@ -3882,7 +3810,7 @@
               </a:spcAft>
               <a:buSzPts val="2100"/>
               <a:buNone/>
-              <a:defRPr sz="2100"/>
+              <a:defRPr sz="1575"/>
             </a:lvl7pPr>
             <a:lvl8pPr lvl="7" algn="ctr">
               <a:lnSpc>
@@ -3896,7 +3824,7 @@
               </a:spcAft>
               <a:buSzPts val="2100"/>
               <a:buNone/>
-              <a:defRPr sz="2100"/>
+              <a:defRPr sz="1575"/>
             </a:lvl8pPr>
             <a:lvl9pPr lvl="8" algn="ctr">
               <a:lnSpc>
@@ -3910,7 +3838,7 @@
               </a:spcAft>
               <a:buSzPts val="2100"/>
               <a:buNone/>
-              <a:defRPr sz="2100"/>
+              <a:defRPr sz="1575"/>
             </a:lvl9pPr>
           </a:lstStyle>
           <a:p>
@@ -3942,7 +3870,7 @@
             <a:noAutofit/>
           </a:bodyPr>
           <a:lstStyle>
-            <a:lvl1pPr marL="457200" lvl="0" indent="-342900">
+            <a:lvl1pPr marL="342900" lvl="0" indent="-257175">
               <a:spcBef>
                 <a:spcPts val="0"/>
               </a:spcBef>
@@ -3953,9 +3881,9 @@
               <a:buChar char="●"/>
               <a:defRPr/>
             </a:lvl1pPr>
-            <a:lvl2pPr marL="914400" lvl="1" indent="-317500">
-              <a:spcBef>
-                <a:spcPts val="1600"/>
+            <a:lvl2pPr marL="685800" lvl="1" indent="-238125">
+              <a:spcBef>
+                <a:spcPts val="1200"/>
               </a:spcBef>
               <a:spcAft>
                 <a:spcPts val="0"/>
@@ -3964,9 +3892,9 @@
               <a:buChar char="○"/>
               <a:defRPr/>
             </a:lvl2pPr>
-            <a:lvl3pPr marL="1371600" lvl="2" indent="-317500">
-              <a:spcBef>
-                <a:spcPts val="1600"/>
+            <a:lvl3pPr marL="1028700" lvl="2" indent="-238125">
+              <a:spcBef>
+                <a:spcPts val="1200"/>
               </a:spcBef>
               <a:spcAft>
                 <a:spcPts val="0"/>
@@ -3975,9 +3903,9 @@
               <a:buChar char="■"/>
               <a:defRPr/>
             </a:lvl3pPr>
-            <a:lvl4pPr marL="1828800" lvl="3" indent="-317500">
-              <a:spcBef>
-                <a:spcPts val="1600"/>
+            <a:lvl4pPr marL="1371600" lvl="3" indent="-238125">
+              <a:spcBef>
+                <a:spcPts val="1200"/>
               </a:spcBef>
               <a:spcAft>
                 <a:spcPts val="0"/>
@@ -3986,9 +3914,9 @@
               <a:buChar char="●"/>
               <a:defRPr/>
             </a:lvl4pPr>
-            <a:lvl5pPr marL="2286000" lvl="4" indent="-317500">
-              <a:spcBef>
-                <a:spcPts val="1600"/>
+            <a:lvl5pPr marL="1714500" lvl="4" indent="-238125">
+              <a:spcBef>
+                <a:spcPts val="1200"/>
               </a:spcBef>
               <a:spcAft>
                 <a:spcPts val="0"/>
@@ -3997,9 +3925,9 @@
               <a:buChar char="○"/>
               <a:defRPr/>
             </a:lvl5pPr>
-            <a:lvl6pPr marL="2743200" lvl="5" indent="-317500">
-              <a:spcBef>
-                <a:spcPts val="1600"/>
+            <a:lvl6pPr marL="2057400" lvl="5" indent="-238125">
+              <a:spcBef>
+                <a:spcPts val="1200"/>
               </a:spcBef>
               <a:spcAft>
                 <a:spcPts val="0"/>
@@ -4008,9 +3936,9 @@
               <a:buChar char="■"/>
               <a:defRPr/>
             </a:lvl6pPr>
-            <a:lvl7pPr marL="3200400" lvl="6" indent="-317500">
-              <a:spcBef>
-                <a:spcPts val="1600"/>
+            <a:lvl7pPr marL="2400300" lvl="6" indent="-238125">
+              <a:spcBef>
+                <a:spcPts val="1200"/>
               </a:spcBef>
               <a:spcAft>
                 <a:spcPts val="0"/>
@@ -4019,9 +3947,9 @@
               <a:buChar char="●"/>
               <a:defRPr/>
             </a:lvl7pPr>
-            <a:lvl8pPr marL="3657600" lvl="7" indent="-317500">
-              <a:spcBef>
-                <a:spcPts val="1600"/>
+            <a:lvl8pPr marL="2743200" lvl="7" indent="-238125">
+              <a:spcBef>
+                <a:spcPts val="1200"/>
               </a:spcBef>
               <a:spcAft>
                 <a:spcPts val="0"/>
@@ -4030,12 +3958,12 @@
               <a:buChar char="○"/>
               <a:defRPr/>
             </a:lvl8pPr>
-            <a:lvl9pPr marL="4114800" lvl="8" indent="-317500">
-              <a:spcBef>
-                <a:spcPts val="1600"/>
-              </a:spcBef>
-              <a:spcAft>
-                <a:spcPts val="1600"/>
+            <a:lvl9pPr marL="3086100" lvl="8" indent="-238125">
+              <a:spcBef>
+                <a:spcPts val="1200"/>
+              </a:spcBef>
+              <a:spcAft>
+                <a:spcPts val="1200"/>
               </a:spcAft>
               <a:buSzPts val="1400"/>
               <a:buChar char="■"/>
@@ -4059,7 +3987,7 @@
         </p:nvSpPr>
         <p:spPr>
           <a:xfrm>
-            <a:off x="8472458" y="4663217"/>
+            <a:off x="8472459" y="4663217"/>
             <a:ext cx="548700" cy="393600"/>
           </a:xfrm>
           <a:prstGeom prst="rect">
@@ -4109,20 +4037,12 @@
             </a:lvl9pPr>
           </a:lstStyle>
           <a:p>
-            <a:pPr marL="0" lvl="0" indent="0" algn="r" rtl="0">
-              <a:spcBef>
-                <a:spcPts val="0"/>
-              </a:spcBef>
-              <a:spcAft>
-                <a:spcPts val="0"/>
-              </a:spcAft>
-              <a:buNone/>
-            </a:pPr>
             <a:fld id="{00000000-1234-1234-1234-123412341234}" type="slidenum">
-              <a:rPr lang="en"/>
+              <a:rPr lang="en" smtClean="0"/>
+              <a:pPr/>
               <a:t>‹#›</a:t>
             </a:fld>
-            <a:endParaRPr/>
+            <a:endParaRPr lang="en"/>
           </a:p>
         </p:txBody>
       </p:sp>
@@ -4175,7 +4095,7 @@
             <a:noAutofit/>
           </a:bodyPr>
           <a:lstStyle>
-            <a:lvl1pPr marL="457200" lvl="0" indent="-228600">
+            <a:lvl1pPr marL="342900" lvl="0" indent="-171450">
               <a:lnSpc>
                 <a:spcPct val="100000"/>
               </a:lnSpc>
@@ -4207,7 +4127,7 @@
         </p:nvSpPr>
         <p:spPr>
           <a:xfrm>
-            <a:off x="8472458" y="4663217"/>
+            <a:off x="8472459" y="4663217"/>
             <a:ext cx="548700" cy="393600"/>
           </a:xfrm>
           <a:prstGeom prst="rect">
@@ -4257,20 +4177,12 @@
             </a:lvl9pPr>
           </a:lstStyle>
           <a:p>
-            <a:pPr marL="0" lvl="0" indent="0" algn="r" rtl="0">
-              <a:spcBef>
-                <a:spcPts val="0"/>
-              </a:spcBef>
-              <a:spcAft>
-                <a:spcPts val="0"/>
-              </a:spcAft>
-              <a:buNone/>
-            </a:pPr>
             <a:fld id="{00000000-1234-1234-1234-123412341234}" type="slidenum">
-              <a:rPr lang="en"/>
+              <a:rPr lang="en" smtClean="0"/>
+              <a:pPr/>
               <a:t>‹#›</a:t>
             </a:fld>
-            <a:endParaRPr/>
+            <a:endParaRPr lang="en"/>
           </a:p>
         </p:txBody>
       </p:sp>
@@ -4738,7 +4650,7 @@
         </p:nvSpPr>
         <p:spPr>
           <a:xfrm>
-            <a:off x="8472458" y="4663217"/>
+            <a:off x="8472459" y="4663217"/>
             <a:ext cx="548700" cy="393600"/>
           </a:xfrm>
           <a:prstGeom prst="rect">
@@ -4756,7 +4668,7 @@
           <a:lstStyle>
             <a:lvl1pPr lvl="0" algn="r">
               <a:buNone/>
-              <a:defRPr sz="1000">
+              <a:defRPr sz="750">
                 <a:solidFill>
                   <a:schemeClr val="dk2"/>
                 </a:solidFill>
@@ -4764,7 +4676,7 @@
             </a:lvl1pPr>
             <a:lvl2pPr lvl="1" algn="r">
               <a:buNone/>
-              <a:defRPr sz="1000">
+              <a:defRPr sz="750">
                 <a:solidFill>
                   <a:schemeClr val="dk2"/>
                 </a:solidFill>
@@ -4772,7 +4684,7 @@
             </a:lvl2pPr>
             <a:lvl3pPr lvl="2" algn="r">
               <a:buNone/>
-              <a:defRPr sz="1000">
+              <a:defRPr sz="750">
                 <a:solidFill>
                   <a:schemeClr val="dk2"/>
                 </a:solidFill>
@@ -4780,7 +4692,7 @@
             </a:lvl3pPr>
             <a:lvl4pPr lvl="3" algn="r">
               <a:buNone/>
-              <a:defRPr sz="1000">
+              <a:defRPr sz="750">
                 <a:solidFill>
                   <a:schemeClr val="dk2"/>
                 </a:solidFill>
@@ -4788,7 +4700,7 @@
             </a:lvl4pPr>
             <a:lvl5pPr lvl="4" algn="r">
               <a:buNone/>
-              <a:defRPr sz="1000">
+              <a:defRPr sz="750">
                 <a:solidFill>
                   <a:schemeClr val="dk2"/>
                 </a:solidFill>
@@ -4796,7 +4708,7 @@
             </a:lvl5pPr>
             <a:lvl6pPr lvl="5" algn="r">
               <a:buNone/>
-              <a:defRPr sz="1000">
+              <a:defRPr sz="750">
                 <a:solidFill>
                   <a:schemeClr val="dk2"/>
                 </a:solidFill>
@@ -4804,7 +4716,7 @@
             </a:lvl6pPr>
             <a:lvl7pPr lvl="6" algn="r">
               <a:buNone/>
-              <a:defRPr sz="1000">
+              <a:defRPr sz="750">
                 <a:solidFill>
                   <a:schemeClr val="dk2"/>
                 </a:solidFill>
@@ -4812,7 +4724,7 @@
             </a:lvl7pPr>
             <a:lvl8pPr lvl="7" algn="r">
               <a:buNone/>
-              <a:defRPr sz="1000">
+              <a:defRPr sz="750">
                 <a:solidFill>
                   <a:schemeClr val="dk2"/>
                 </a:solidFill>
@@ -4820,7 +4732,7 @@
             </a:lvl8pPr>
             <a:lvl9pPr lvl="8" algn="r">
               <a:buNone/>
-              <a:defRPr sz="1000">
+              <a:defRPr sz="750">
                 <a:solidFill>
                   <a:schemeClr val="dk2"/>
                 </a:solidFill>
@@ -4828,20 +4740,12 @@
             </a:lvl9pPr>
           </a:lstStyle>
           <a:p>
-            <a:pPr marL="0" lvl="0" indent="0" algn="r" rtl="0">
-              <a:spcBef>
-                <a:spcPts val="0"/>
-              </a:spcBef>
-              <a:spcAft>
-                <a:spcPts val="0"/>
-              </a:spcAft>
-              <a:buNone/>
-            </a:pPr>
             <a:fld id="{00000000-1234-1234-1234-123412341234}" type="slidenum">
-              <a:rPr lang="en"/>
+              <a:rPr lang="en" smtClean="0"/>
+              <a:pPr/>
               <a:t>‹#›</a:t>
             </a:fld>
-            <a:endParaRPr/>
+            <a:endParaRPr lang="en"/>
           </a:p>
         </p:txBody>
       </p:sp>
@@ -4889,7 +4793,7 @@
           <a:srgbClr val="000000"/>
         </a:buClr>
         <a:buFont typeface="Arial"/>
-        <a:defRPr sz="1400" b="0" i="0" u="none" strike="noStrike" cap="none">
+        <a:defRPr sz="1050" b="0" i="0" u="none" strike="noStrike" cap="none">
           <a:solidFill>
             <a:srgbClr val="000000"/>
           </a:solidFill>
@@ -4913,7 +4817,7 @@
           <a:srgbClr val="000000"/>
         </a:buClr>
         <a:buFont typeface="Arial"/>
-        <a:defRPr sz="1400" b="0" i="0" u="none" strike="noStrike" cap="none">
+        <a:defRPr sz="1050" b="0" i="0" u="none" strike="noStrike" cap="none">
           <a:solidFill>
             <a:srgbClr val="000000"/>
           </a:solidFill>
@@ -4937,7 +4841,7 @@
           <a:srgbClr val="000000"/>
         </a:buClr>
         <a:buFont typeface="Arial"/>
-        <a:defRPr sz="1400" b="0" i="0" u="none" strike="noStrike" cap="none">
+        <a:defRPr sz="1050" b="0" i="0" u="none" strike="noStrike" cap="none">
           <a:solidFill>
             <a:srgbClr val="000000"/>
           </a:solidFill>
@@ -4961,7 +4865,7 @@
           <a:srgbClr val="000000"/>
         </a:buClr>
         <a:buFont typeface="Arial"/>
-        <a:defRPr sz="1400" b="0" i="0" u="none" strike="noStrike" cap="none">
+        <a:defRPr sz="1050" b="0" i="0" u="none" strike="noStrike" cap="none">
           <a:solidFill>
             <a:srgbClr val="000000"/>
           </a:solidFill>
@@ -4985,7 +4889,7 @@
           <a:srgbClr val="000000"/>
         </a:buClr>
         <a:buFont typeface="Arial"/>
-        <a:defRPr sz="1400" b="0" i="0" u="none" strike="noStrike" cap="none">
+        <a:defRPr sz="1050" b="0" i="0" u="none" strike="noStrike" cap="none">
           <a:solidFill>
             <a:srgbClr val="000000"/>
           </a:solidFill>
@@ -5009,7 +4913,7 @@
           <a:srgbClr val="000000"/>
         </a:buClr>
         <a:buFont typeface="Arial"/>
-        <a:defRPr sz="1400" b="0" i="0" u="none" strike="noStrike" cap="none">
+        <a:defRPr sz="1050" b="0" i="0" u="none" strike="noStrike" cap="none">
           <a:solidFill>
             <a:srgbClr val="000000"/>
           </a:solidFill>
@@ -5033,7 +4937,7 @@
           <a:srgbClr val="000000"/>
         </a:buClr>
         <a:buFont typeface="Arial"/>
-        <a:defRPr sz="1400" b="0" i="0" u="none" strike="noStrike" cap="none">
+        <a:defRPr sz="1050" b="0" i="0" u="none" strike="noStrike" cap="none">
           <a:solidFill>
             <a:srgbClr val="000000"/>
           </a:solidFill>
@@ -5057,7 +4961,7 @@
           <a:srgbClr val="000000"/>
         </a:buClr>
         <a:buFont typeface="Arial"/>
-        <a:defRPr sz="1400" b="0" i="0" u="none" strike="noStrike" cap="none">
+        <a:defRPr sz="1050" b="0" i="0" u="none" strike="noStrike" cap="none">
           <a:solidFill>
             <a:srgbClr val="000000"/>
           </a:solidFill>
@@ -5081,7 +4985,7 @@
           <a:srgbClr val="000000"/>
         </a:buClr>
         <a:buFont typeface="Arial"/>
-        <a:defRPr sz="1400" b="0" i="0" u="none" strike="noStrike" cap="none">
+        <a:defRPr sz="1050" b="0" i="0" u="none" strike="noStrike" cap="none">
           <a:solidFill>
             <a:srgbClr val="000000"/>
           </a:solidFill>
@@ -5118,7 +5022,7 @@
           <a:srgbClr val="000000"/>
         </a:buClr>
         <a:buFont typeface="Arial"/>
-        <a:defRPr sz="1400" b="0" i="0" u="none" strike="noStrike" cap="none">
+        <a:defRPr sz="1050" b="0" i="0" u="none" strike="noStrike" cap="none">
           <a:solidFill>
             <a:srgbClr val="000000"/>
           </a:solidFill>
@@ -5142,7 +5046,7 @@
           <a:srgbClr val="000000"/>
         </a:buClr>
         <a:buFont typeface="Arial"/>
-        <a:defRPr sz="1400" b="0" i="0" u="none" strike="noStrike" cap="none">
+        <a:defRPr sz="1050" b="0" i="0" u="none" strike="noStrike" cap="none">
           <a:solidFill>
             <a:srgbClr val="000000"/>
           </a:solidFill>
@@ -5166,7 +5070,7 @@
           <a:srgbClr val="000000"/>
         </a:buClr>
         <a:buFont typeface="Arial"/>
-        <a:defRPr sz="1400" b="0" i="0" u="none" strike="noStrike" cap="none">
+        <a:defRPr sz="1050" b="0" i="0" u="none" strike="noStrike" cap="none">
           <a:solidFill>
             <a:srgbClr val="000000"/>
           </a:solidFill>
@@ -5190,7 +5094,7 @@
           <a:srgbClr val="000000"/>
         </a:buClr>
         <a:buFont typeface="Arial"/>
-        <a:defRPr sz="1400" b="0" i="0" u="none" strike="noStrike" cap="none">
+        <a:defRPr sz="1050" b="0" i="0" u="none" strike="noStrike" cap="none">
           <a:solidFill>
             <a:srgbClr val="000000"/>
           </a:solidFill>
@@ -5214,7 +5118,7 @@
           <a:srgbClr val="000000"/>
         </a:buClr>
         <a:buFont typeface="Arial"/>
-        <a:defRPr sz="1400" b="0" i="0" u="none" strike="noStrike" cap="none">
+        <a:defRPr sz="1050" b="0" i="0" u="none" strike="noStrike" cap="none">
           <a:solidFill>
             <a:srgbClr val="000000"/>
           </a:solidFill>
@@ -5238,7 +5142,7 @@
           <a:srgbClr val="000000"/>
         </a:buClr>
         <a:buFont typeface="Arial"/>
-        <a:defRPr sz="1400" b="0" i="0" u="none" strike="noStrike" cap="none">
+        <a:defRPr sz="1050" b="0" i="0" u="none" strike="noStrike" cap="none">
           <a:solidFill>
             <a:srgbClr val="000000"/>
           </a:solidFill>
@@ -5262,7 +5166,7 @@
           <a:srgbClr val="000000"/>
         </a:buClr>
         <a:buFont typeface="Arial"/>
-        <a:defRPr sz="1400" b="0" i="0" u="none" strike="noStrike" cap="none">
+        <a:defRPr sz="1050" b="0" i="0" u="none" strike="noStrike" cap="none">
           <a:solidFill>
             <a:srgbClr val="000000"/>
           </a:solidFill>
@@ -5286,7 +5190,7 @@
           <a:srgbClr val="000000"/>
         </a:buClr>
         <a:buFont typeface="Arial"/>
-        <a:defRPr sz="1400" b="0" i="0" u="none" strike="noStrike" cap="none">
+        <a:defRPr sz="1050" b="0" i="0" u="none" strike="noStrike" cap="none">
           <a:solidFill>
             <a:srgbClr val="000000"/>
           </a:solidFill>
@@ -5310,7 +5214,7 @@
           <a:srgbClr val="000000"/>
         </a:buClr>
         <a:buFont typeface="Arial"/>
-        <a:defRPr sz="1400" b="0" i="0" u="none" strike="noStrike" cap="none">
+        <a:defRPr sz="1050" b="0" i="0" u="none" strike="noStrike" cap="none">
           <a:solidFill>
             <a:srgbClr val="000000"/>
           </a:solidFill>
@@ -5347,7 +5251,7 @@
           <a:srgbClr val="000000"/>
         </a:buClr>
         <a:buFont typeface="Arial"/>
-        <a:defRPr sz="1400" b="0" i="0" u="none" strike="noStrike" cap="none">
+        <a:defRPr sz="1050" b="0" i="0" u="none" strike="noStrike" cap="none">
           <a:solidFill>
             <a:srgbClr val="000000"/>
           </a:solidFill>
@@ -5371,7 +5275,7 @@
           <a:srgbClr val="000000"/>
         </a:buClr>
         <a:buFont typeface="Arial"/>
-        <a:defRPr sz="1400" b="0" i="0" u="none" strike="noStrike" cap="none">
+        <a:defRPr sz="1050" b="0" i="0" u="none" strike="noStrike" cap="none">
           <a:solidFill>
             <a:srgbClr val="000000"/>
           </a:solidFill>
@@ -5395,7 +5299,7 @@
           <a:srgbClr val="000000"/>
         </a:buClr>
         <a:buFont typeface="Arial"/>
-        <a:defRPr sz="1400" b="0" i="0" u="none" strike="noStrike" cap="none">
+        <a:defRPr sz="1050" b="0" i="0" u="none" strike="noStrike" cap="none">
           <a:solidFill>
             <a:srgbClr val="000000"/>
           </a:solidFill>
@@ -5419,7 +5323,7 @@
           <a:srgbClr val="000000"/>
         </a:buClr>
         <a:buFont typeface="Arial"/>
-        <a:defRPr sz="1400" b="0" i="0" u="none" strike="noStrike" cap="none">
+        <a:defRPr sz="1050" b="0" i="0" u="none" strike="noStrike" cap="none">
           <a:solidFill>
             <a:srgbClr val="000000"/>
           </a:solidFill>
@@ -5443,7 +5347,7 @@
           <a:srgbClr val="000000"/>
         </a:buClr>
         <a:buFont typeface="Arial"/>
-        <a:defRPr sz="1400" b="0" i="0" u="none" strike="noStrike" cap="none">
+        <a:defRPr sz="1050" b="0" i="0" u="none" strike="noStrike" cap="none">
           <a:solidFill>
             <a:srgbClr val="000000"/>
           </a:solidFill>
@@ -5467,7 +5371,7 @@
           <a:srgbClr val="000000"/>
         </a:buClr>
         <a:buFont typeface="Arial"/>
-        <a:defRPr sz="1400" b="0" i="0" u="none" strike="noStrike" cap="none">
+        <a:defRPr sz="1050" b="0" i="0" u="none" strike="noStrike" cap="none">
           <a:solidFill>
             <a:srgbClr val="000000"/>
           </a:solidFill>
@@ -5491,7 +5395,7 @@
           <a:srgbClr val="000000"/>
         </a:buClr>
         <a:buFont typeface="Arial"/>
-        <a:defRPr sz="1400" b="0" i="0" u="none" strike="noStrike" cap="none">
+        <a:defRPr sz="1050" b="0" i="0" u="none" strike="noStrike" cap="none">
           <a:solidFill>
             <a:srgbClr val="000000"/>
           </a:solidFill>
@@ -5515,7 +5419,7 @@
           <a:srgbClr val="000000"/>
         </a:buClr>
         <a:buFont typeface="Arial"/>
-        <a:defRPr sz="1400" b="0" i="0" u="none" strike="noStrike" cap="none">
+        <a:defRPr sz="1050" b="0" i="0" u="none" strike="noStrike" cap="none">
           <a:solidFill>
             <a:srgbClr val="000000"/>
           </a:solidFill>
@@ -5539,7 +5443,7 @@
           <a:srgbClr val="000000"/>
         </a:buClr>
         <a:buFont typeface="Arial"/>
-        <a:defRPr sz="1400" b="0" i="0" u="none" strike="noStrike" cap="none">
+        <a:defRPr sz="1050" b="0" i="0" u="none" strike="noStrike" cap="none">
           <a:solidFill>
             <a:srgbClr val="000000"/>
           </a:solidFill>
@@ -5579,8 +5483,8 @@
         </p:nvSpPr>
         <p:spPr>
           <a:xfrm>
-            <a:off x="1377446" y="2111425"/>
-            <a:ext cx="1134418" cy="593400"/>
+            <a:off x="2176084" y="2226506"/>
+            <a:ext cx="850814" cy="445050"/>
           </a:xfrm>
           <a:prstGeom prst="rect">
             <a:avLst/>
@@ -5593,25 +5497,17 @@
           </a:ln>
         </p:spPr>
         <p:txBody>
-          <a:bodyPr spcFirstLastPara="1" wrap="square" lIns="91425" tIns="91425" rIns="91425" bIns="91425" anchor="ctr" anchorCtr="0">
+          <a:bodyPr spcFirstLastPara="1" wrap="square" lIns="68569" tIns="68569" rIns="68569" bIns="68569" anchor="ctr" anchorCtr="0">
             <a:noAutofit/>
           </a:bodyPr>
           <a:lstStyle/>
           <a:p>
-            <a:pPr marL="0" lvl="0" indent="0" algn="ctr" rtl="0">
-              <a:spcBef>
-                <a:spcPts val="0"/>
-              </a:spcBef>
-              <a:spcAft>
-                <a:spcPts val="0"/>
-              </a:spcAft>
-              <a:buNone/>
-            </a:pPr>
+            <a:pPr algn="ctr"/>
             <a:r>
-              <a:rPr lang="en" sz="1000" dirty="0"/>
+              <a:rPr lang="en" sz="750" dirty="0"/>
               <a:t>Build application container or OS image</a:t>
             </a:r>
-            <a:endParaRPr sz="1000" dirty="0"/>
+            <a:endParaRPr sz="750" dirty="0"/>
           </a:p>
         </p:txBody>
       </p:sp>
@@ -5623,8 +5519,8 @@
         </p:nvSpPr>
         <p:spPr>
           <a:xfrm>
-            <a:off x="6483987" y="2112025"/>
-            <a:ext cx="1666500" cy="597600"/>
+            <a:off x="6005991" y="2226956"/>
+            <a:ext cx="1249875" cy="448200"/>
           </a:xfrm>
           <a:prstGeom prst="rect">
             <a:avLst/>
@@ -5637,25 +5533,17 @@
           </a:ln>
         </p:spPr>
         <p:txBody>
-          <a:bodyPr spcFirstLastPara="1" wrap="square" lIns="91425" tIns="91425" rIns="91425" bIns="91425" anchor="ctr" anchorCtr="0">
+          <a:bodyPr spcFirstLastPara="1" wrap="square" lIns="68569" tIns="68569" rIns="68569" bIns="68569" anchor="ctr" anchorCtr="0">
             <a:noAutofit/>
           </a:bodyPr>
           <a:lstStyle/>
           <a:p>
-            <a:pPr marL="0" lvl="0" indent="0" algn="ctr" rtl="0">
-              <a:spcBef>
-                <a:spcPts val="0"/>
-              </a:spcBef>
-              <a:spcAft>
-                <a:spcPts val="0"/>
-              </a:spcAft>
-              <a:buNone/>
-            </a:pPr>
+            <a:pPr algn="ctr"/>
             <a:r>
-              <a:rPr lang="en" sz="1000" dirty="0"/>
+              <a:rPr lang="en" sz="750" dirty="0"/>
               <a:t>Deploy cloud configuration or application to environment</a:t>
             </a:r>
-            <a:endParaRPr sz="1000" dirty="0"/>
+            <a:endParaRPr sz="750" dirty="0"/>
           </a:p>
         </p:txBody>
       </p:sp>
@@ -5667,8 +5555,8 @@
         </p:nvSpPr>
         <p:spPr>
           <a:xfrm>
-            <a:off x="4708175" y="2107225"/>
-            <a:ext cx="1308000" cy="597600"/>
+            <a:off x="4674131" y="2223356"/>
+            <a:ext cx="981000" cy="448200"/>
           </a:xfrm>
           <a:prstGeom prst="rect">
             <a:avLst/>
@@ -5681,25 +5569,17 @@
           </a:ln>
         </p:spPr>
         <p:txBody>
-          <a:bodyPr spcFirstLastPara="1" wrap="square" lIns="91425" tIns="91425" rIns="91425" bIns="91425" anchor="ctr" anchorCtr="0">
+          <a:bodyPr spcFirstLastPara="1" wrap="square" lIns="68569" tIns="68569" rIns="68569" bIns="68569" anchor="ctr" anchorCtr="0">
             <a:noAutofit/>
           </a:bodyPr>
           <a:lstStyle/>
           <a:p>
-            <a:pPr marL="0" lvl="0" indent="0" algn="ctr" rtl="0">
-              <a:spcBef>
-                <a:spcPts val="0"/>
-              </a:spcBef>
-              <a:spcAft>
-                <a:spcPts val="0"/>
-              </a:spcAft>
-              <a:buNone/>
-            </a:pPr>
+            <a:pPr algn="ctr"/>
             <a:r>
-              <a:rPr lang="en" sz="1000" dirty="0"/>
+              <a:rPr lang="en" sz="750" dirty="0"/>
               <a:t>Update cloud and infrastructure configuration</a:t>
             </a:r>
-            <a:endParaRPr sz="1000" dirty="0"/>
+            <a:endParaRPr sz="750" dirty="0"/>
           </a:p>
         </p:txBody>
       </p:sp>
@@ -5711,8 +5591,8 @@
         </p:nvSpPr>
         <p:spPr>
           <a:xfrm>
-            <a:off x="467975" y="912760"/>
-            <a:ext cx="1188454" cy="597600"/>
+            <a:off x="1493982" y="1327508"/>
+            <a:ext cx="891341" cy="448200"/>
           </a:xfrm>
           <a:prstGeom prst="rect">
             <a:avLst/>
@@ -5725,25 +5605,17 @@
           </a:ln>
         </p:spPr>
         <p:txBody>
-          <a:bodyPr spcFirstLastPara="1" wrap="square" lIns="91425" tIns="91425" rIns="91425" bIns="91425" anchor="ctr" anchorCtr="0">
+          <a:bodyPr spcFirstLastPara="1" wrap="square" lIns="68569" tIns="68569" rIns="68569" bIns="68569" anchor="ctr" anchorCtr="0">
             <a:noAutofit/>
           </a:bodyPr>
           <a:lstStyle/>
           <a:p>
-            <a:pPr marL="0" lvl="0" indent="0" algn="ctr" rtl="0">
-              <a:spcBef>
-                <a:spcPts val="0"/>
-              </a:spcBef>
-              <a:spcAft>
-                <a:spcPts val="0"/>
-              </a:spcAft>
-              <a:buNone/>
-            </a:pPr>
+            <a:pPr algn="ctr"/>
             <a:r>
-              <a:rPr lang="en" sz="1000" dirty="0"/>
+              <a:rPr lang="en" sz="750" dirty="0"/>
               <a:t>Application code or OS change</a:t>
             </a:r>
-            <a:endParaRPr sz="1000" dirty="0"/>
+            <a:endParaRPr sz="750" dirty="0"/>
           </a:p>
         </p:txBody>
       </p:sp>
@@ -5755,8 +5627,8 @@
         </p:nvSpPr>
         <p:spPr>
           <a:xfrm>
-            <a:off x="408202" y="3163942"/>
-            <a:ext cx="1308000" cy="597600"/>
+            <a:off x="1449152" y="3119088"/>
+            <a:ext cx="981000" cy="448200"/>
           </a:xfrm>
           <a:prstGeom prst="rect">
             <a:avLst/>
@@ -5769,25 +5641,17 @@
           </a:ln>
         </p:spPr>
         <p:txBody>
-          <a:bodyPr spcFirstLastPara="1" wrap="square" lIns="91425" tIns="91425" rIns="91425" bIns="91425" anchor="ctr" anchorCtr="0">
+          <a:bodyPr spcFirstLastPara="1" wrap="square" lIns="68569" tIns="68569" rIns="68569" bIns="68569" anchor="ctr" anchorCtr="0">
             <a:noAutofit/>
           </a:bodyPr>
           <a:lstStyle/>
           <a:p>
-            <a:pPr marL="0" lvl="0" indent="0" algn="ctr" rtl="0">
-              <a:spcBef>
-                <a:spcPts val="0"/>
-              </a:spcBef>
-              <a:spcAft>
-                <a:spcPts val="0"/>
-              </a:spcAft>
-              <a:buNone/>
-            </a:pPr>
+            <a:pPr algn="ctr"/>
             <a:r>
-              <a:rPr lang="en" sz="1000" dirty="0"/>
+              <a:rPr lang="en" sz="750" dirty="0"/>
               <a:t>Infrastructure code change</a:t>
             </a:r>
-            <a:endParaRPr sz="1000" dirty="0"/>
+            <a:endParaRPr sz="750" dirty="0"/>
           </a:p>
         </p:txBody>
       </p:sp>
@@ -5803,8 +5667,8 @@
         </p:nvCxnSpPr>
         <p:spPr>
           <a:xfrm>
-            <a:off x="1656429" y="1211560"/>
-            <a:ext cx="288226" cy="899865"/>
+            <a:off x="2385322" y="1551609"/>
+            <a:ext cx="216170" cy="674899"/>
           </a:xfrm>
           <a:prstGeom prst="bentConnector2">
             <a:avLst/>
@@ -5833,8 +5697,8 @@
         </p:nvCxnSpPr>
         <p:spPr>
           <a:xfrm>
-            <a:off x="6016175" y="2406025"/>
-            <a:ext cx="467812" cy="4800"/>
+            <a:off x="5655132" y="2447456"/>
+            <a:ext cx="350859" cy="3600"/>
           </a:xfrm>
           <a:prstGeom prst="bentConnector3">
             <a:avLst>
@@ -5867,8 +5731,8 @@
         </p:nvSpPr>
         <p:spPr>
           <a:xfrm>
-            <a:off x="7622190" y="3071191"/>
-            <a:ext cx="1458062" cy="597600"/>
+            <a:off x="6859957" y="2920181"/>
+            <a:ext cx="1501089" cy="448200"/>
           </a:xfrm>
           <a:prstGeom prst="rect">
             <a:avLst/>
@@ -5884,31 +5748,22 @@
           </a:ln>
         </p:spPr>
         <p:txBody>
-          <a:bodyPr spcFirstLastPara="1" wrap="square" lIns="91425" tIns="91425" rIns="91425" bIns="91425" anchor="ctr" anchorCtr="0">
+          <a:bodyPr spcFirstLastPara="1" wrap="square" lIns="68569" tIns="68569" rIns="68569" bIns="68569" anchor="ctr" anchorCtr="0">
             <a:noAutofit/>
           </a:bodyPr>
           <a:lstStyle/>
           <a:p>
-            <a:pPr marL="0" lvl="0" indent="0" algn="ctr" rtl="0">
-              <a:spcBef>
-                <a:spcPts val="0"/>
-              </a:spcBef>
-              <a:spcAft>
-                <a:spcPts val="0"/>
-              </a:spcAft>
-              <a:buNone/>
-            </a:pPr>
+            <a:pPr algn="ctr"/>
             <a:r>
-              <a:rPr lang="en-US" sz="1100" b="0" i="0" dirty="0">
+              <a:rPr lang="en-US" sz="825" dirty="0">
                 <a:solidFill>
                   <a:srgbClr val="0B0B0B"/>
                 </a:solidFill>
-                <a:effectLst/>
                 <a:latin typeface="Open Sans" panose="020B0606030504020204" pitchFamily="34" charset="0"/>
               </a:rPr>
               <a:t>Post-deployment compliance scanning</a:t>
             </a:r>
-            <a:endParaRPr sz="1000" dirty="0"/>
+            <a:endParaRPr sz="750" dirty="0"/>
           </a:p>
         </p:txBody>
       </p:sp>
@@ -5926,8 +5781,8 @@
         </p:nvSpPr>
         <p:spPr>
           <a:xfrm>
-            <a:off x="3005882" y="2111425"/>
-            <a:ext cx="1272594" cy="597600"/>
+            <a:off x="3440548" y="2166754"/>
+            <a:ext cx="874581" cy="561407"/>
           </a:xfrm>
           <a:prstGeom prst="rect">
             <a:avLst/>
@@ -5943,31 +5798,13 @@
           </a:ln>
         </p:spPr>
         <p:txBody>
-          <a:bodyPr spcFirstLastPara="1" wrap="square" lIns="91425" tIns="91425" rIns="91425" bIns="91425" anchor="ctr" anchorCtr="0">
+          <a:bodyPr spcFirstLastPara="1" wrap="square" lIns="68569" tIns="68569" rIns="68569" bIns="68569" anchor="ctr" anchorCtr="0">
             <a:noAutofit/>
           </a:bodyPr>
           <a:lstStyle/>
           <a:p>
-            <a:pPr marL="0" lvl="0" indent="0" algn="ctr" rtl="0">
-              <a:spcBef>
-                <a:spcPts val="0"/>
-              </a:spcBef>
-              <a:spcAft>
-                <a:spcPts val="0"/>
-              </a:spcAft>
-              <a:buNone/>
-            </a:pPr>
-            <a:r>
-              <a:rPr lang="en-US" sz="1100" b="0" i="0" dirty="0">
-                <a:solidFill>
-                  <a:srgbClr val="0B0B0B"/>
-                </a:solidFill>
-                <a:effectLst/>
-                <a:latin typeface="Open Sans" panose="020B0606030504020204" pitchFamily="34" charset="0"/>
-              </a:rPr>
-              <a:t>AMI or container image scanning</a:t>
-            </a:r>
-            <a:endParaRPr sz="1000" dirty="0"/>
+            <a:pPr algn="ctr"/>
+            <a:endParaRPr sz="750" dirty="0"/>
           </a:p>
         </p:txBody>
       </p:sp>
@@ -5985,8 +5822,8 @@
         </p:nvSpPr>
         <p:spPr>
           <a:xfrm>
-            <a:off x="2906158" y="3138757"/>
-            <a:ext cx="1308000" cy="597600"/>
+            <a:off x="3371048" y="3038486"/>
+            <a:ext cx="981000" cy="609407"/>
           </a:xfrm>
           <a:prstGeom prst="rect">
             <a:avLst/>
@@ -6002,22 +5839,13 @@
           </a:ln>
         </p:spPr>
         <p:txBody>
-          <a:bodyPr spcFirstLastPara="1" wrap="square" lIns="91425" tIns="91425" rIns="91425" bIns="91425" anchor="ctr" anchorCtr="0">
+          <a:bodyPr spcFirstLastPara="1" wrap="square" lIns="68569" tIns="68569" rIns="68569" bIns="68569" anchor="ctr" anchorCtr="0">
             <a:noAutofit/>
           </a:bodyPr>
           <a:lstStyle/>
           <a:p>
             <a:pPr algn="ctr"/>
-            <a:r>
-              <a:rPr lang="fr-FR" sz="1100" dirty="0">
-                <a:solidFill>
-                  <a:srgbClr val="0B0B0B"/>
-                </a:solidFill>
-                <a:latin typeface="Open Sans" panose="020B0606030504020204" pitchFamily="34" charset="0"/>
-              </a:rPr>
-              <a:t>Infrastructure as code compliance scanning</a:t>
-            </a:r>
-            <a:endParaRPr lang="en-US" sz="1100" dirty="0">
+            <a:endParaRPr lang="en-US" sz="825" dirty="0">
               <a:solidFill>
                 <a:srgbClr val="0B0B0B"/>
               </a:solidFill>
@@ -6043,9 +5871,9 @@
           <p:nvPr/>
         </p:nvCxnSpPr>
         <p:spPr>
-          <a:xfrm>
-            <a:off x="2511864" y="2408125"/>
-            <a:ext cx="494018" cy="2100"/>
+          <a:xfrm flipV="1">
+            <a:off x="3026899" y="2447457"/>
+            <a:ext cx="413649" cy="1575"/>
           </a:xfrm>
           <a:prstGeom prst="straightConnector1">
             <a:avLst/>
@@ -6086,9 +5914,9 @@
           <p:nvPr/>
         </p:nvCxnSpPr>
         <p:spPr>
-          <a:xfrm flipV="1">
-            <a:off x="1716202" y="3437557"/>
-            <a:ext cx="1189956" cy="25185"/>
+          <a:xfrm>
+            <a:off x="2430153" y="3343189"/>
+            <a:ext cx="940897" cy="1"/>
           </a:xfrm>
           <a:prstGeom prst="straightConnector1">
             <a:avLst/>
@@ -6129,9 +5957,9 @@
           <p:nvPr/>
         </p:nvCxnSpPr>
         <p:spPr>
-          <a:xfrm flipV="1">
-            <a:off x="4278476" y="2406025"/>
-            <a:ext cx="429699" cy="4200"/>
+          <a:xfrm>
+            <a:off x="4315130" y="2447456"/>
+            <a:ext cx="359003" cy="0"/>
           </a:xfrm>
           <a:prstGeom prst="straightConnector1">
             <a:avLst/>
@@ -6173,8 +6001,8 @@
         </p:nvCxnSpPr>
         <p:spPr>
           <a:xfrm flipV="1">
-            <a:off x="4214158" y="2704825"/>
-            <a:ext cx="1148017" cy="732732"/>
+            <a:off x="4352049" y="2671557"/>
+            <a:ext cx="812583" cy="671633"/>
           </a:xfrm>
           <a:prstGeom prst="bentConnector2">
             <a:avLst/>
@@ -6208,6 +6036,7 @@
             </a:extLst>
           </p:cNvPr>
           <p:cNvCxnSpPr>
+            <a:cxnSpLocks/>
             <a:stCxn id="55" idx="3"/>
             <a:endCxn id="8" idx="0"/>
           </p:cNvCxnSpPr>
@@ -6215,8 +6044,8 @@
         </p:nvCxnSpPr>
         <p:spPr>
           <a:xfrm>
-            <a:off x="8150487" y="2410825"/>
-            <a:ext cx="200734" cy="660366"/>
+            <a:off x="7255867" y="2451057"/>
+            <a:ext cx="354635" cy="469125"/>
           </a:xfrm>
           <a:prstGeom prst="bentConnector2">
             <a:avLst/>
@@ -6240,6 +6069,279 @@
           </a:fontRef>
         </p:style>
       </p:cxnSp>
+      <p:pic>
+        <p:nvPicPr>
+          <p:cNvPr id="1026" name="Picture 2" descr="Brainboard Integrations: tflint">
+            <a:extLst>
+              <a:ext uri="{FF2B5EF4-FFF2-40B4-BE49-F238E27FC236}">
+                <a16:creationId xmlns:a16="http://schemas.microsoft.com/office/drawing/2014/main" id="{E0016528-429E-EAE8-3E1A-9D0F6411F25D}"/>
+              </a:ext>
+            </a:extLst>
+          </p:cNvPr>
+          <p:cNvPicPr>
+            <a:picLocks noChangeAspect="1" noChangeArrowheads="1"/>
+          </p:cNvPicPr>
+          <p:nvPr/>
+        </p:nvPicPr>
+        <p:blipFill>
+          <a:blip r:embed="rId3">
+            <a:extLst>
+              <a:ext uri="{28A0092B-C50C-407E-A947-70E740481C1C}">
+                <a14:useLocalDpi xmlns:a14="http://schemas.microsoft.com/office/drawing/2010/main" val="0"/>
+              </a:ext>
+            </a:extLst>
+          </a:blip>
+          <a:srcRect/>
+          <a:stretch>
+            <a:fillRect/>
+          </a:stretch>
+        </p:blipFill>
+        <p:spPr bwMode="auto">
+          <a:xfrm>
+            <a:off x="3377756" y="3496044"/>
+            <a:ext cx="981001" cy="192653"/>
+          </a:xfrm>
+          <a:prstGeom prst="rect">
+            <a:avLst/>
+          </a:prstGeom>
+          <a:noFill/>
+          <a:extLst>
+            <a:ext uri="{909E8E84-426E-40DD-AFC4-6F175D3DCCD1}">
+              <a14:hiddenFill xmlns:a14="http://schemas.microsoft.com/office/drawing/2010/main">
+                <a:solidFill>
+                  <a:srgbClr val="FFFFFF"/>
+                </a:solidFill>
+              </a14:hiddenFill>
+            </a:ext>
+          </a:extLst>
+        </p:spPr>
+      </p:pic>
+      <p:sp>
+        <p:nvSpPr>
+          <p:cNvPr id="34" name="TextBox 33">
+            <a:extLst>
+              <a:ext uri="{FF2B5EF4-FFF2-40B4-BE49-F238E27FC236}">
+                <a16:creationId xmlns:a16="http://schemas.microsoft.com/office/drawing/2014/main" id="{6E6D48D1-A4C7-2ED7-687F-C0EA118F6938}"/>
+              </a:ext>
+            </a:extLst>
+          </p:cNvPr>
+          <p:cNvSpPr txBox="1"/>
+          <p:nvPr/>
+        </p:nvSpPr>
+        <p:spPr>
+          <a:xfrm>
+            <a:off x="3371048" y="3013971"/>
+            <a:ext cx="1017920" cy="473206"/>
+          </a:xfrm>
+          <a:prstGeom prst="rect">
+            <a:avLst/>
+          </a:prstGeom>
+          <a:noFill/>
+        </p:spPr>
+        <p:txBody>
+          <a:bodyPr wrap="square">
+            <a:spAutoFit/>
+          </a:bodyPr>
+          <a:lstStyle/>
+          <a:p>
+            <a:pPr algn="ctr"/>
+            <a:r>
+              <a:rPr lang="fr-FR" sz="825" dirty="0">
+                <a:solidFill>
+                  <a:srgbClr val="0B0B0B"/>
+                </a:solidFill>
+                <a:latin typeface="Open Sans" panose="020B0606030504020204" pitchFamily="34" charset="0"/>
+              </a:rPr>
+              <a:t>Infrastructure as code compliance scanning</a:t>
+            </a:r>
+            <a:endParaRPr lang="en-US" sz="825" dirty="0">
+              <a:solidFill>
+                <a:srgbClr val="0B0B0B"/>
+              </a:solidFill>
+              <a:latin typeface="Open Sans" panose="020B0606030504020204" pitchFamily="34" charset="0"/>
+            </a:endParaRPr>
+          </a:p>
+        </p:txBody>
+      </p:sp>
+      <p:pic>
+        <p:nvPicPr>
+          <p:cNvPr id="1028" name="Picture 4" descr="anchore/engine0 - Certified Container Image - Red Hat Ecosystem Catalog">
+            <a:extLst>
+              <a:ext uri="{FF2B5EF4-FFF2-40B4-BE49-F238E27FC236}">
+                <a16:creationId xmlns:a16="http://schemas.microsoft.com/office/drawing/2014/main" id="{B1481454-070C-EB2A-3C8D-9EDC5D60FE73}"/>
+              </a:ext>
+            </a:extLst>
+          </p:cNvPr>
+          <p:cNvPicPr>
+            <a:picLocks noChangeAspect="1" noChangeArrowheads="1"/>
+          </p:cNvPicPr>
+          <p:nvPr/>
+        </p:nvPicPr>
+        <p:blipFill>
+          <a:blip r:embed="rId4">
+            <a:extLst>
+              <a:ext uri="{28A0092B-C50C-407E-A947-70E740481C1C}">
+                <a14:useLocalDpi xmlns:a14="http://schemas.microsoft.com/office/drawing/2010/main" val="0"/>
+              </a:ext>
+            </a:extLst>
+          </a:blip>
+          <a:srcRect/>
+          <a:stretch>
+            <a:fillRect/>
+          </a:stretch>
+        </p:blipFill>
+        <p:spPr bwMode="auto">
+          <a:xfrm>
+            <a:off x="3440547" y="2165088"/>
+            <a:ext cx="874581" cy="200549"/>
+          </a:xfrm>
+          <a:prstGeom prst="rect">
+            <a:avLst/>
+          </a:prstGeom>
+          <a:noFill/>
+          <a:extLst>
+            <a:ext uri="{909E8E84-426E-40DD-AFC4-6F175D3DCCD1}">
+              <a14:hiddenFill xmlns:a14="http://schemas.microsoft.com/office/drawing/2010/main">
+                <a:solidFill>
+                  <a:srgbClr val="FFFFFF"/>
+                </a:solidFill>
+              </a14:hiddenFill>
+            </a:ext>
+          </a:extLst>
+        </p:spPr>
+      </p:pic>
+      <p:sp>
+        <p:nvSpPr>
+          <p:cNvPr id="45" name="TextBox 44">
+            <a:extLst>
+              <a:ext uri="{FF2B5EF4-FFF2-40B4-BE49-F238E27FC236}">
+                <a16:creationId xmlns:a16="http://schemas.microsoft.com/office/drawing/2014/main" id="{5EB00B3B-5E7B-6B06-FFDB-014BE4B68DEF}"/>
+              </a:ext>
+            </a:extLst>
+          </p:cNvPr>
+          <p:cNvSpPr txBox="1"/>
+          <p:nvPr/>
+        </p:nvSpPr>
+        <p:spPr>
+          <a:xfrm>
+            <a:off x="3309302" y="2404996"/>
+            <a:ext cx="1117910" cy="346249"/>
+          </a:xfrm>
+          <a:prstGeom prst="rect">
+            <a:avLst/>
+          </a:prstGeom>
+          <a:noFill/>
+        </p:spPr>
+        <p:txBody>
+          <a:bodyPr wrap="square">
+            <a:spAutoFit/>
+          </a:bodyPr>
+          <a:lstStyle/>
+          <a:p>
+            <a:pPr algn="ctr"/>
+            <a:r>
+              <a:rPr lang="en-US" sz="825" dirty="0">
+                <a:solidFill>
+                  <a:srgbClr val="0B0B0B"/>
+                </a:solidFill>
+                <a:latin typeface="Open Sans" panose="020B0606030504020204" pitchFamily="34" charset="0"/>
+              </a:rPr>
+              <a:t>AMI or container image scanning</a:t>
+            </a:r>
+            <a:endParaRPr lang="en-US" sz="825" dirty="0"/>
+          </a:p>
+        </p:txBody>
+      </p:sp>
+      <p:pic>
+        <p:nvPicPr>
+          <p:cNvPr id="1047" name="Picture 1046">
+            <a:extLst>
+              <a:ext uri="{FF2B5EF4-FFF2-40B4-BE49-F238E27FC236}">
+                <a16:creationId xmlns:a16="http://schemas.microsoft.com/office/drawing/2014/main" id="{4AE5C60E-9AE6-44E7-8805-E55A1C272C8A}"/>
+              </a:ext>
+            </a:extLst>
+          </p:cNvPr>
+          <p:cNvPicPr>
+            <a:picLocks noChangeAspect="1"/>
+          </p:cNvPicPr>
+          <p:nvPr/>
+        </p:nvPicPr>
+        <p:blipFill>
+          <a:blip r:embed="rId5"/>
+          <a:stretch>
+            <a:fillRect/>
+          </a:stretch>
+        </p:blipFill>
+        <p:spPr>
+          <a:xfrm>
+            <a:off x="6859958" y="3365676"/>
+            <a:ext cx="721367" cy="300791"/>
+          </a:xfrm>
+          <a:prstGeom prst="rect">
+            <a:avLst/>
+          </a:prstGeom>
+        </p:spPr>
+      </p:pic>
+      <p:pic>
+        <p:nvPicPr>
+          <p:cNvPr id="1049" name="Picture 1048">
+            <a:extLst>
+              <a:ext uri="{FF2B5EF4-FFF2-40B4-BE49-F238E27FC236}">
+                <a16:creationId xmlns:a16="http://schemas.microsoft.com/office/drawing/2014/main" id="{46AF5E4C-CD3F-7B0E-8A05-F5A7C0EAEF40}"/>
+              </a:ext>
+            </a:extLst>
+          </p:cNvPr>
+          <p:cNvPicPr>
+            <a:picLocks noChangeAspect="1"/>
+          </p:cNvPicPr>
+          <p:nvPr/>
+        </p:nvPicPr>
+        <p:blipFill>
+          <a:blip r:embed="rId6"/>
+          <a:stretch>
+            <a:fillRect/>
+          </a:stretch>
+        </p:blipFill>
+        <p:spPr>
+          <a:xfrm>
+            <a:off x="7581325" y="3360662"/>
+            <a:ext cx="779721" cy="310817"/>
+          </a:xfrm>
+          <a:prstGeom prst="rect">
+            <a:avLst/>
+          </a:prstGeom>
+        </p:spPr>
+      </p:pic>
+      <p:pic>
+        <p:nvPicPr>
+          <p:cNvPr id="1054" name="Picture 1053">
+            <a:extLst>
+              <a:ext uri="{FF2B5EF4-FFF2-40B4-BE49-F238E27FC236}">
+                <a16:creationId xmlns:a16="http://schemas.microsoft.com/office/drawing/2014/main" id="{F7B877EB-190D-FD84-06BD-67B885D4F65C}"/>
+              </a:ext>
+            </a:extLst>
+          </p:cNvPr>
+          <p:cNvPicPr>
+            <a:picLocks noChangeAspect="1"/>
+          </p:cNvPicPr>
+          <p:nvPr/>
+        </p:nvPicPr>
+        <p:blipFill>
+          <a:blip r:embed="rId7"/>
+          <a:stretch>
+            <a:fillRect/>
+          </a:stretch>
+        </p:blipFill>
+        <p:spPr>
+          <a:xfrm>
+            <a:off x="7166388" y="3666467"/>
+            <a:ext cx="714658" cy="255469"/>
+          </a:xfrm>
+          <a:prstGeom prst="rect">
+            <a:avLst/>
+          </a:prstGeom>
+        </p:spPr>
+      </p:pic>
     </p:spTree>
   </p:cSld>
   <p:clrMapOvr>
